--- a/project/資料/スマホ最適化縦STG_修正要望.pptx
+++ b/project/資料/スマホ最適化縦STG_修正要望.pptx
@@ -5,23 +5,26 @@
     <p:sldMasterId id="2147483744" r:id="rId1"/>
   </p:sldMasterIdLst>
   <p:notesMasterIdLst>
-    <p:notesMasterId r:id="rId6"/>
+    <p:notesMasterId r:id="rId9"/>
   </p:notesMasterIdLst>
   <p:sldIdLst>
     <p:sldId id="256" r:id="rId2"/>
     <p:sldId id="284" r:id="rId3"/>
     <p:sldId id="299" r:id="rId4"/>
     <p:sldId id="300" r:id="rId5"/>
+    <p:sldId id="301" r:id="rId6"/>
+    <p:sldId id="302" r:id="rId7"/>
+    <p:sldId id="303" r:id="rId8"/>
   </p:sldIdLst>
   <p:sldSz cx="9144000" cy="6858000" type="screen4x3"/>
   <p:notesSz cx="6858000" cy="9144000"/>
   <p:embeddedFontLst>
     <p:embeddedFont>
       <p:font typeface="Calibri" pitchFamily="34" charset="0"/>
-      <p:regular r:id="rId7"/>
-      <p:bold r:id="rId8"/>
-      <p:italic r:id="rId9"/>
-      <p:boldItalic r:id="rId10"/>
+      <p:regular r:id="rId10"/>
+      <p:bold r:id="rId11"/>
+      <p:italic r:id="rId12"/>
+      <p:boldItalic r:id="rId13"/>
     </p:embeddedFont>
   </p:embeddedFontLst>
   <p:defaultTextStyle>
@@ -121,7 +124,7 @@
   </p:defaultTextStyle>
   <p:extLst>
     <p:ext uri="{EFAFB233-063F-42B5-8137-9DF3F51BA10A}">
-      <p15:sldGuideLst xmlns="" xmlns:p15="http://schemas.microsoft.com/office/powerpoint/2012/main">
+      <p15:sldGuideLst xmlns:p15="http://schemas.microsoft.com/office/powerpoint/2012/main" xmlns="">
         <p15:guide id="1" orient="horz" pos="2160" userDrawn="1">
           <p15:clr>
             <a:srgbClr val="A4A3A4"/>
@@ -424,7 +427,7 @@
     </p:spTree>
     <p:extLst>
       <p:ext uri="{BB962C8B-B14F-4D97-AF65-F5344CB8AC3E}">
-        <p14:creationId xmlns="" xmlns:p14="http://schemas.microsoft.com/office/powerpoint/2010/main" val="2272850417"/>
+        <p14:creationId xmlns:p14="http://schemas.microsoft.com/office/powerpoint/2010/main" xmlns="" val="2272850417"/>
       </p:ext>
     </p:extLst>
   </p:cSld>
@@ -3876,7 +3879,7 @@
           <a:lstStyle/>
           <a:p>
             <a:r>
-              <a:rPr kumimoji="1" lang="ja-JP" altLang="en-US" smtClean="0">
+              <a:rPr kumimoji="1" lang="ja-JP" altLang="en-US" dirty="0" smtClean="0">
                 <a:solidFill>
                   <a:srgbClr val="FF0000"/>
                 </a:solidFill>
@@ -4011,7 +4014,7 @@
     </p:spTree>
     <p:extLst>
       <p:ext uri="{BB962C8B-B14F-4D97-AF65-F5344CB8AC3E}">
-        <p14:creationId xmlns="" xmlns:p14="http://schemas.microsoft.com/office/powerpoint/2010/main" val="3100865840"/>
+        <p14:creationId xmlns:p14="http://schemas.microsoft.com/office/powerpoint/2010/main" xmlns="" val="3100865840"/>
       </p:ext>
     </p:extLst>
   </p:cSld>
@@ -4128,11 +4131,7 @@
             </a:r>
             <a:r>
               <a:rPr lang="ja-JP" altLang="en-US" sz="1800" dirty="0" smtClean="0"/>
-              <a:t>はショットが当たった時用のＥＦＣなので</a:t>
-            </a:r>
-            <a:r>
-              <a:rPr lang="ja-JP" altLang="en-US" sz="1800" dirty="0" smtClean="0"/>
-              <a:t>不要です。</a:t>
+              <a:t>はショットが当たった時用のＥＦＣなので不要です。</a:t>
             </a:r>
             <a:endParaRPr lang="en-US" altLang="ja-JP" sz="1800" dirty="0" smtClean="0"/>
           </a:p>
@@ -4190,11 +4189,7 @@
             </a:pPr>
             <a:r>
               <a:rPr lang="ja-JP" altLang="en-US" sz="1600" dirty="0" smtClean="0"/>
-              <a:t>なるようお願い</a:t>
-            </a:r>
-            <a:r>
-              <a:rPr lang="ja-JP" altLang="en-US" sz="1600" dirty="0" smtClean="0"/>
-              <a:t>します。</a:t>
+              <a:t>なるようお願いします。</a:t>
             </a:r>
             <a:endParaRPr lang="en-US" altLang="ja-JP" sz="1600" dirty="0" smtClean="0"/>
           </a:p>
@@ -4299,19 +4294,7 @@
             </a:pPr>
             <a:r>
               <a:rPr lang="ja-JP" altLang="en-US" sz="1800" dirty="0" smtClean="0"/>
-              <a:t>・</a:t>
-            </a:r>
-            <a:r>
-              <a:rPr lang="ja-JP" altLang="en-US" sz="1800" dirty="0" smtClean="0"/>
-              <a:t>ＵＩ</a:t>
-            </a:r>
-            <a:r>
-              <a:rPr lang="ja-JP" altLang="en-US" sz="1800" dirty="0" smtClean="0"/>
-              <a:t>を</a:t>
-            </a:r>
-            <a:r>
-              <a:rPr lang="ja-JP" altLang="en-US" sz="1800" dirty="0" smtClean="0"/>
-              <a:t>置く位置にダメージ判定があると見えない所で</a:t>
+              <a:t>・ＵＩを置く位置にダメージ判定があると見えない所で</a:t>
             </a:r>
             <a:endParaRPr lang="en-US" altLang="ja-JP" sz="1800" dirty="0" smtClean="0"/>
           </a:p>
@@ -4331,11 +4314,7 @@
             </a:pPr>
             <a:r>
               <a:rPr lang="ja-JP" altLang="en-US" sz="1600" dirty="0" smtClean="0"/>
-              <a:t>ストレスの元</a:t>
-            </a:r>
-            <a:r>
-              <a:rPr lang="ja-JP" altLang="en-US" sz="1600" dirty="0" smtClean="0"/>
-              <a:t>になるからです。</a:t>
+              <a:t>ストレスの元になるからです。</a:t>
             </a:r>
             <a:endParaRPr lang="en-US" altLang="ja-JP" sz="1600" dirty="0" smtClean="0"/>
           </a:p>
@@ -4475,6 +4454,543 @@
               <a:ea typeface="+mn-ea"/>
               <a:cs typeface="+mn-cs"/>
             </a:endParaRPr>
+          </a:p>
+        </p:txBody>
+      </p:sp>
+    </p:spTree>
+  </p:cSld>
+  <p:clrMapOvr>
+    <a:masterClrMapping/>
+  </p:clrMapOvr>
+  <p:timing>
+    <p:tnLst>
+      <p:par>
+        <p:cTn id="1" dur="indefinite" restart="never" nodeType="tmRoot"/>
+      </p:par>
+    </p:tnLst>
+  </p:timing>
+</p:sld>
+</file>
+
+<file path=ppt/slides/slide5.xml><?xml version="1.0" encoding="utf-8"?>
+<p:sld xmlns:a="http://schemas.openxmlformats.org/drawingml/2006/main" xmlns:r="http://schemas.openxmlformats.org/officeDocument/2006/relationships" xmlns:p="http://schemas.openxmlformats.org/presentationml/2006/main">
+  <p:cSld>
+    <p:spTree>
+      <p:nvGrpSpPr>
+        <p:cNvPr id="1" name=""/>
+        <p:cNvGrpSpPr/>
+        <p:nvPr/>
+      </p:nvGrpSpPr>
+      <p:grpSpPr>
+        <a:xfrm>
+          <a:off x="0" y="0"/>
+          <a:ext cx="0" cy="0"/>
+          <a:chOff x="0" y="0"/>
+          <a:chExt cx="0" cy="0"/>
+        </a:xfrm>
+      </p:grpSpPr>
+      <p:sp>
+        <p:nvSpPr>
+          <p:cNvPr id="2" name="タイトル 1"/>
+          <p:cNvSpPr>
+            <a:spLocks noGrp="1"/>
+          </p:cNvSpPr>
+          <p:nvPr>
+            <p:ph type="title"/>
+          </p:nvPr>
+        </p:nvSpPr>
+        <p:spPr>
+          <a:xfrm>
+            <a:off x="457200" y="71422"/>
+            <a:ext cx="8229600" cy="1143000"/>
+          </a:xfrm>
+        </p:spPr>
+        <p:txBody>
+          <a:bodyPr>
+            <a:normAutofit/>
+          </a:bodyPr>
+          <a:lstStyle/>
+          <a:p>
+            <a:r>
+              <a:rPr lang="ja-JP" altLang="en-US" dirty="0" smtClean="0"/>
+              <a:t>マズル位置合わせ</a:t>
+            </a:r>
+            <a:endParaRPr lang="en-US" altLang="ja-JP" dirty="0" smtClean="0"/>
+          </a:p>
+        </p:txBody>
+      </p:sp>
+      <p:sp>
+        <p:nvSpPr>
+          <p:cNvPr id="3" name="コンテンツ プレースホルダ 2"/>
+          <p:cNvSpPr>
+            <a:spLocks noGrp="1"/>
+          </p:cNvSpPr>
+          <p:nvPr>
+            <p:ph idx="1"/>
+          </p:nvPr>
+        </p:nvSpPr>
+        <p:spPr>
+          <a:xfrm>
+            <a:off x="457200" y="1357297"/>
+            <a:ext cx="8229600" cy="5214975"/>
+          </a:xfrm>
+        </p:spPr>
+        <p:txBody>
+          <a:bodyPr>
+            <a:normAutofit/>
+          </a:bodyPr>
+          <a:lstStyle/>
+          <a:p>
+            <a:pPr lvl="1">
+              <a:buNone/>
+            </a:pPr>
+            <a:r>
+              <a:rPr lang="ja-JP" altLang="en-US" sz="1800" dirty="0" smtClean="0"/>
+              <a:t>・</a:t>
+            </a:r>
+            <a:r>
+              <a:rPr lang="en-US" altLang="ja-JP" sz="1800" dirty="0" smtClean="0"/>
+              <a:t> </a:t>
+            </a:r>
+            <a:r>
+              <a:rPr lang="ja-JP" altLang="en-US" sz="1800" dirty="0" smtClean="0"/>
+              <a:t>今出て</a:t>
+            </a:r>
+            <a:r>
+              <a:rPr lang="ja-JP" altLang="en-US" sz="1800" dirty="0" smtClean="0"/>
+              <a:t>いるマズルエフェクト</a:t>
+            </a:r>
+            <a:r>
+              <a:rPr lang="en-US" altLang="ja-JP" sz="1800" dirty="0" smtClean="0"/>
+              <a:t>Player_00_rensya_muzzle</a:t>
+            </a:r>
+            <a:r>
+              <a:rPr lang="ja-JP" altLang="en-US" sz="1800" dirty="0" smtClean="0"/>
+              <a:t>を</a:t>
+            </a:r>
+            <a:endParaRPr lang="en-US" altLang="ja-JP" sz="1800" dirty="0" smtClean="0"/>
+          </a:p>
+          <a:p>
+            <a:pPr lvl="1">
+              <a:buNone/>
+            </a:pPr>
+            <a:r>
+              <a:rPr lang="en-US" altLang="ja-JP" sz="1600" dirty="0" err="1" smtClean="0"/>
+              <a:t>efc_Generate_arm_R</a:t>
+            </a:r>
+            <a:r>
+              <a:rPr lang="en-US" altLang="ja-JP" sz="1600" dirty="0" smtClean="0"/>
+              <a:t> </a:t>
+            </a:r>
+            <a:r>
+              <a:rPr lang="ja-JP" altLang="en-US" sz="1600" dirty="0" smtClean="0"/>
+              <a:t>　</a:t>
+            </a:r>
+            <a:r>
+              <a:rPr lang="en-US" altLang="ja-JP" sz="1600" dirty="0" err="1" smtClean="0"/>
+              <a:t>efc_Generate_arm_L</a:t>
+            </a:r>
+            <a:r>
+              <a:rPr lang="ja-JP" altLang="en-US" sz="1600" dirty="0" smtClean="0"/>
+              <a:t>から発生するようお願いします。</a:t>
+            </a:r>
+            <a:endParaRPr lang="en-US" altLang="ja-JP" sz="1600" dirty="0" smtClean="0"/>
+          </a:p>
+        </p:txBody>
+      </p:sp>
+      <p:pic>
+        <p:nvPicPr>
+          <p:cNvPr id="1026" name="Picture 2" descr="D:\サイト用素材\マズルすきま.JPG"/>
+          <p:cNvPicPr>
+            <a:picLocks noChangeAspect="1" noChangeArrowheads="1"/>
+          </p:cNvPicPr>
+          <p:nvPr/>
+        </p:nvPicPr>
+        <p:blipFill>
+          <a:blip r:embed="rId2"/>
+          <a:srcRect/>
+          <a:stretch>
+            <a:fillRect/>
+          </a:stretch>
+        </p:blipFill>
+        <p:spPr bwMode="auto">
+          <a:xfrm>
+            <a:off x="5248275" y="2638425"/>
+            <a:ext cx="3895725" cy="4219575"/>
+          </a:xfrm>
+          <a:prstGeom prst="rect">
+            <a:avLst/>
+          </a:prstGeom>
+          <a:noFill/>
+        </p:spPr>
+      </p:pic>
+      <p:sp>
+        <p:nvSpPr>
+          <p:cNvPr id="5" name="正方形/長方形 4"/>
+          <p:cNvSpPr/>
+          <p:nvPr/>
+        </p:nvSpPr>
+        <p:spPr>
+          <a:xfrm>
+            <a:off x="285720" y="4857760"/>
+            <a:ext cx="4857752" cy="923330"/>
+          </a:xfrm>
+          <a:prstGeom prst="rect">
+            <a:avLst/>
+          </a:prstGeom>
+        </p:spPr>
+        <p:txBody>
+          <a:bodyPr wrap="square">
+            <a:spAutoFit/>
+          </a:bodyPr>
+          <a:lstStyle/>
+          <a:p>
+            <a:r>
+              <a:rPr lang="ja-JP" altLang="en-US" dirty="0" smtClean="0"/>
+              <a:t>こちらの隙間を詰めてください</a:t>
+            </a:r>
+            <a:endParaRPr lang="en-US" altLang="ja-JP" dirty="0" smtClean="0"/>
+          </a:p>
+          <a:p>
+            <a:pPr marL="0" lvl="1"/>
+            <a:r>
+              <a:rPr lang="ja-JP" altLang="en-US" dirty="0" smtClean="0"/>
+              <a:t>（調整</a:t>
+            </a:r>
+            <a:r>
+              <a:rPr lang="ja-JP" altLang="en-US" dirty="0" smtClean="0"/>
+              <a:t>方法を教えてもらえればこちらでやります）</a:t>
+            </a:r>
+            <a:endParaRPr lang="en-US" altLang="ja-JP" sz="1600" dirty="0" smtClean="0"/>
+          </a:p>
+          <a:p>
+            <a:endParaRPr lang="ja-JP" altLang="en-US" dirty="0"/>
+          </a:p>
+        </p:txBody>
+      </p:sp>
+    </p:spTree>
+  </p:cSld>
+  <p:clrMapOvr>
+    <a:masterClrMapping/>
+  </p:clrMapOvr>
+  <p:timing>
+    <p:tnLst>
+      <p:par>
+        <p:cTn id="1" dur="indefinite" restart="never" nodeType="tmRoot"/>
+      </p:par>
+    </p:tnLst>
+  </p:timing>
+</p:sld>
+</file>
+
+<file path=ppt/slides/slide6.xml><?xml version="1.0" encoding="utf-8"?>
+<p:sld xmlns:a="http://schemas.openxmlformats.org/drawingml/2006/main" xmlns:r="http://schemas.openxmlformats.org/officeDocument/2006/relationships" xmlns:p="http://schemas.openxmlformats.org/presentationml/2006/main">
+  <p:cSld>
+    <p:spTree>
+      <p:nvGrpSpPr>
+        <p:cNvPr id="1" name=""/>
+        <p:cNvGrpSpPr/>
+        <p:nvPr/>
+      </p:nvGrpSpPr>
+      <p:grpSpPr>
+        <a:xfrm>
+          <a:off x="0" y="0"/>
+          <a:ext cx="0" cy="0"/>
+          <a:chOff x="0" y="0"/>
+          <a:chExt cx="0" cy="0"/>
+        </a:xfrm>
+      </p:grpSpPr>
+      <p:sp>
+        <p:nvSpPr>
+          <p:cNvPr id="2" name="タイトル 1"/>
+          <p:cNvSpPr>
+            <a:spLocks noGrp="1"/>
+          </p:cNvSpPr>
+          <p:nvPr>
+            <p:ph type="title"/>
+          </p:nvPr>
+        </p:nvSpPr>
+        <p:spPr>
+          <a:xfrm>
+            <a:off x="457200" y="71422"/>
+            <a:ext cx="8229600" cy="1143000"/>
+          </a:xfrm>
+        </p:spPr>
+        <p:txBody>
+          <a:bodyPr>
+            <a:normAutofit/>
+          </a:bodyPr>
+          <a:lstStyle/>
+          <a:p>
+            <a:r>
+              <a:rPr lang="ja-JP" altLang="en-US" dirty="0" smtClean="0"/>
+              <a:t>自機サイズ大きく</a:t>
+            </a:r>
+            <a:endParaRPr lang="en-US" altLang="ja-JP" dirty="0" smtClean="0"/>
+          </a:p>
+        </p:txBody>
+      </p:sp>
+      <p:sp>
+        <p:nvSpPr>
+          <p:cNvPr id="3" name="コンテンツ プレースホルダ 2"/>
+          <p:cNvSpPr>
+            <a:spLocks noGrp="1"/>
+          </p:cNvSpPr>
+          <p:nvPr>
+            <p:ph idx="1"/>
+          </p:nvPr>
+        </p:nvSpPr>
+        <p:spPr>
+          <a:xfrm>
+            <a:off x="457200" y="1357297"/>
+            <a:ext cx="8229600" cy="5214975"/>
+          </a:xfrm>
+        </p:spPr>
+        <p:txBody>
+          <a:bodyPr>
+            <a:normAutofit/>
+          </a:bodyPr>
+          <a:lstStyle/>
+          <a:p>
+            <a:pPr lvl="1">
+              <a:buNone/>
+            </a:pPr>
+            <a:r>
+              <a:rPr lang="ja-JP" altLang="en-US" sz="1800" dirty="0" smtClean="0"/>
+              <a:t>・スケールを</a:t>
+            </a:r>
+            <a:r>
+              <a:rPr lang="en-US" altLang="ja-JP" sz="1800" dirty="0" smtClean="0"/>
+              <a:t>1.5</a:t>
+            </a:r>
+            <a:r>
+              <a:rPr lang="ja-JP" altLang="en-US" sz="1800" dirty="0" smtClean="0"/>
+              <a:t>倍にしてください。</a:t>
+            </a:r>
+            <a:endParaRPr lang="en-US" altLang="ja-JP" sz="1800" dirty="0" smtClean="0"/>
+          </a:p>
+          <a:p>
+            <a:pPr lvl="1">
+              <a:buNone/>
+            </a:pPr>
+            <a:r>
+              <a:rPr lang="ja-JP" altLang="en-US" sz="1800" dirty="0" smtClean="0"/>
+              <a:t>モーションが見えるようにするためです。</a:t>
+            </a:r>
+            <a:endParaRPr lang="en-US" altLang="ja-JP" sz="1600" dirty="0" smtClean="0"/>
+          </a:p>
+        </p:txBody>
+      </p:sp>
+      <p:sp>
+        <p:nvSpPr>
+          <p:cNvPr id="5" name="正方形/長方形 4"/>
+          <p:cNvSpPr/>
+          <p:nvPr/>
+        </p:nvSpPr>
+        <p:spPr>
+          <a:xfrm>
+            <a:off x="285720" y="4857760"/>
+            <a:ext cx="4857752" cy="369332"/>
+          </a:xfrm>
+          <a:prstGeom prst="rect">
+            <a:avLst/>
+          </a:prstGeom>
+        </p:spPr>
+        <p:txBody>
+          <a:bodyPr wrap="square">
+            <a:spAutoFit/>
+          </a:bodyPr>
+          <a:lstStyle/>
+          <a:p>
+            <a:r>
+              <a:rPr lang="ja-JP" altLang="en-US" dirty="0" err="1" smtClean="0"/>
+              <a:t>。</a:t>
+            </a:r>
+            <a:endParaRPr lang="ja-JP" altLang="en-US" dirty="0"/>
+          </a:p>
+        </p:txBody>
+      </p:sp>
+      <p:pic>
+        <p:nvPicPr>
+          <p:cNvPr id="2050" name="Picture 2" descr="D:\サイト用素材\サイズ.png"/>
+          <p:cNvPicPr>
+            <a:picLocks noChangeAspect="1" noChangeArrowheads="1"/>
+          </p:cNvPicPr>
+          <p:nvPr/>
+        </p:nvPicPr>
+        <p:blipFill>
+          <a:blip r:embed="rId2"/>
+          <a:srcRect/>
+          <a:stretch>
+            <a:fillRect/>
+          </a:stretch>
+        </p:blipFill>
+        <p:spPr bwMode="auto">
+          <a:xfrm>
+            <a:off x="4867275" y="3267075"/>
+            <a:ext cx="4276725" cy="3590925"/>
+          </a:xfrm>
+          <a:prstGeom prst="rect">
+            <a:avLst/>
+          </a:prstGeom>
+          <a:noFill/>
+        </p:spPr>
+      </p:pic>
+    </p:spTree>
+  </p:cSld>
+  <p:clrMapOvr>
+    <a:masterClrMapping/>
+  </p:clrMapOvr>
+  <p:timing>
+    <p:tnLst>
+      <p:par>
+        <p:cTn id="1" dur="indefinite" restart="never" nodeType="tmRoot"/>
+      </p:par>
+    </p:tnLst>
+  </p:timing>
+</p:sld>
+</file>
+
+<file path=ppt/slides/slide7.xml><?xml version="1.0" encoding="utf-8"?>
+<p:sld xmlns:a="http://schemas.openxmlformats.org/drawingml/2006/main" xmlns:r="http://schemas.openxmlformats.org/officeDocument/2006/relationships" xmlns:p="http://schemas.openxmlformats.org/presentationml/2006/main">
+  <p:cSld>
+    <p:spTree>
+      <p:nvGrpSpPr>
+        <p:cNvPr id="1" name=""/>
+        <p:cNvGrpSpPr/>
+        <p:nvPr/>
+      </p:nvGrpSpPr>
+      <p:grpSpPr>
+        <a:xfrm>
+          <a:off x="0" y="0"/>
+          <a:ext cx="0" cy="0"/>
+          <a:chOff x="0" y="0"/>
+          <a:chExt cx="0" cy="0"/>
+        </a:xfrm>
+      </p:grpSpPr>
+      <p:sp>
+        <p:nvSpPr>
+          <p:cNvPr id="2" name="タイトル 1"/>
+          <p:cNvSpPr>
+            <a:spLocks noGrp="1"/>
+          </p:cNvSpPr>
+          <p:nvPr>
+            <p:ph type="title"/>
+          </p:nvPr>
+        </p:nvSpPr>
+        <p:spPr>
+          <a:xfrm>
+            <a:off x="457200" y="71422"/>
+            <a:ext cx="8229600" cy="1143000"/>
+          </a:xfrm>
+        </p:spPr>
+        <p:txBody>
+          <a:bodyPr>
+            <a:normAutofit/>
+          </a:bodyPr>
+          <a:lstStyle/>
+          <a:p>
+            <a:r>
+              <a:rPr lang="ja-JP" altLang="en-US" dirty="0" smtClean="0"/>
+              <a:t>相殺は専用エフェクトにする</a:t>
+            </a:r>
+            <a:endParaRPr lang="en-US" altLang="ja-JP" dirty="0" smtClean="0"/>
+          </a:p>
+        </p:txBody>
+      </p:sp>
+      <p:sp>
+        <p:nvSpPr>
+          <p:cNvPr id="3" name="コンテンツ プレースホルダ 2"/>
+          <p:cNvSpPr>
+            <a:spLocks noGrp="1"/>
+          </p:cNvSpPr>
+          <p:nvPr>
+            <p:ph idx="1"/>
+          </p:nvPr>
+        </p:nvSpPr>
+        <p:spPr>
+          <a:xfrm>
+            <a:off x="457200" y="1357297"/>
+            <a:ext cx="8229600" cy="5214975"/>
+          </a:xfrm>
+        </p:spPr>
+        <p:txBody>
+          <a:bodyPr>
+            <a:normAutofit/>
+          </a:bodyPr>
+          <a:lstStyle/>
+          <a:p>
+            <a:pPr lvl="1">
+              <a:buNone/>
+            </a:pPr>
+            <a:r>
+              <a:rPr lang="ja-JP" altLang="en-US" sz="1800" dirty="0" smtClean="0"/>
+              <a:t>・弾の相殺は</a:t>
+            </a:r>
+            <a:r>
+              <a:rPr lang="en-US" altLang="ja-JP" sz="1800" dirty="0" smtClean="0"/>
+              <a:t>Offset</a:t>
+            </a:r>
+            <a:r>
+              <a:rPr lang="ja-JP" altLang="en-US" sz="1800" dirty="0" smtClean="0"/>
+              <a:t>というエフェクトを使ってください。</a:t>
+            </a:r>
+            <a:endParaRPr lang="en-US" altLang="ja-JP" sz="1800" dirty="0" smtClean="0"/>
+          </a:p>
+          <a:p>
+            <a:pPr lvl="1">
+              <a:buNone/>
+            </a:pPr>
+            <a:r>
+              <a:rPr lang="ja-JP" altLang="en-US" sz="1800" dirty="0" smtClean="0"/>
+              <a:t>・角度も</a:t>
+            </a:r>
+            <a:r>
+              <a:rPr lang="en-US" altLang="ja-JP" sz="1800" dirty="0" smtClean="0"/>
+              <a:t>+-15</a:t>
+            </a:r>
+            <a:r>
+              <a:rPr lang="ja-JP" altLang="en-US" sz="1800" dirty="0" smtClean="0"/>
+              <a:t>ランダム</a:t>
+            </a:r>
+            <a:r>
+              <a:rPr lang="ja-JP" altLang="en-US" sz="1800" smtClean="0"/>
+              <a:t>に発生お願い</a:t>
+            </a:r>
+            <a:r>
+              <a:rPr lang="ja-JP" altLang="en-US" sz="1800" dirty="0" smtClean="0"/>
+              <a:t>します。</a:t>
+            </a:r>
+            <a:endParaRPr lang="en-US" altLang="ja-JP" sz="1600" dirty="0" smtClean="0"/>
+          </a:p>
+        </p:txBody>
+      </p:sp>
+      <p:sp>
+        <p:nvSpPr>
+          <p:cNvPr id="5" name="正方形/長方形 4"/>
+          <p:cNvSpPr/>
+          <p:nvPr/>
+        </p:nvSpPr>
+        <p:spPr>
+          <a:xfrm>
+            <a:off x="285720" y="4857760"/>
+            <a:ext cx="4857752" cy="369332"/>
+          </a:xfrm>
+          <a:prstGeom prst="rect">
+            <a:avLst/>
+          </a:prstGeom>
+        </p:spPr>
+        <p:txBody>
+          <a:bodyPr wrap="square">
+            <a:spAutoFit/>
+          </a:bodyPr>
+          <a:lstStyle/>
+          <a:p>
+            <a:r>
+              <a:rPr lang="ja-JP" altLang="en-US" dirty="0" err="1" smtClean="0"/>
+              <a:t>。</a:t>
+            </a:r>
+            <a:endParaRPr lang="ja-JP" altLang="en-US" dirty="0"/>
           </a:p>
         </p:txBody>
       </p:sp>

--- a/project/資料/スマホ最適化縦STG_修正要望.pptx
+++ b/project/資料/スマホ最適化縦STG_修正要望.pptx
@@ -5,7 +5,7 @@
     <p:sldMasterId id="2147483744" r:id="rId1"/>
   </p:sldMasterIdLst>
   <p:notesMasterIdLst>
-    <p:notesMasterId r:id="rId9"/>
+    <p:notesMasterId r:id="rId10"/>
   </p:notesMasterIdLst>
   <p:sldIdLst>
     <p:sldId id="256" r:id="rId2"/>
@@ -15,16 +15,17 @@
     <p:sldId id="301" r:id="rId6"/>
     <p:sldId id="302" r:id="rId7"/>
     <p:sldId id="303" r:id="rId8"/>
+    <p:sldId id="304" r:id="rId9"/>
   </p:sldIdLst>
   <p:sldSz cx="9144000" cy="6858000" type="screen4x3"/>
   <p:notesSz cx="6858000" cy="9144000"/>
   <p:embeddedFontLst>
     <p:embeddedFont>
       <p:font typeface="Calibri" pitchFamily="34" charset="0"/>
-      <p:regular r:id="rId10"/>
-      <p:bold r:id="rId11"/>
-      <p:italic r:id="rId12"/>
-      <p:boldItalic r:id="rId13"/>
+      <p:regular r:id="rId11"/>
+      <p:bold r:id="rId12"/>
+      <p:italic r:id="rId13"/>
+      <p:boldItalic r:id="rId14"/>
     </p:embeddedFont>
   </p:embeddedFontLst>
   <p:defaultTextStyle>
@@ -124,7 +125,7 @@
   </p:defaultTextStyle>
   <p:extLst>
     <p:ext uri="{EFAFB233-063F-42B5-8137-9DF3F51BA10A}">
-      <p15:sldGuideLst xmlns:p15="http://schemas.microsoft.com/office/powerpoint/2012/main" xmlns="">
+      <p15:sldGuideLst xmlns="" xmlns:p15="http://schemas.microsoft.com/office/powerpoint/2012/main">
         <p15:guide id="1" orient="horz" pos="2160" userDrawn="1">
           <p15:clr>
             <a:srgbClr val="A4A3A4"/>
@@ -224,7 +225,7 @@
             <a:fld id="{8587BA4A-3F63-455B-A7BC-BE3ACF86011E}" type="datetimeFigureOut">
               <a:rPr kumimoji="1" lang="ja-JP" altLang="en-US" smtClean="0"/>
               <a:pPr/>
-              <a:t>2020/7/6</a:t>
+              <a:t>2020/7/14</a:t>
             </a:fld>
             <a:endParaRPr kumimoji="1" lang="ja-JP" altLang="en-US"/>
           </a:p>
@@ -427,7 +428,7 @@
     </p:spTree>
     <p:extLst>
       <p:ext uri="{BB962C8B-B14F-4D97-AF65-F5344CB8AC3E}">
-        <p14:creationId xmlns:p14="http://schemas.microsoft.com/office/powerpoint/2010/main" xmlns="" val="2272850417"/>
+        <p14:creationId xmlns="" xmlns:p14="http://schemas.microsoft.com/office/powerpoint/2010/main" val="2272850417"/>
       </p:ext>
     </p:extLst>
   </p:cSld>
@@ -709,7 +710,7 @@
             <a:fld id="{51B869B6-A1BB-4C9E-8561-EA9AF8554193}" type="datetimeFigureOut">
               <a:rPr kumimoji="1" lang="ja-JP" altLang="en-US" smtClean="0"/>
               <a:pPr/>
-              <a:t>2020/7/6</a:t>
+              <a:t>2020/7/14</a:t>
             </a:fld>
             <a:endParaRPr kumimoji="1" lang="ja-JP" altLang="en-US"/>
           </a:p>
@@ -908,7 +909,7 @@
             <a:fld id="{51B869B6-A1BB-4C9E-8561-EA9AF8554193}" type="datetimeFigureOut">
               <a:rPr kumimoji="1" lang="ja-JP" altLang="en-US" smtClean="0"/>
               <a:pPr/>
-              <a:t>2020/7/6</a:t>
+              <a:t>2020/7/14</a:t>
             </a:fld>
             <a:endParaRPr kumimoji="1" lang="ja-JP" altLang="en-US"/>
           </a:p>
@@ -1117,7 +1118,7 @@
             <a:fld id="{51B869B6-A1BB-4C9E-8561-EA9AF8554193}" type="datetimeFigureOut">
               <a:rPr kumimoji="1" lang="ja-JP" altLang="en-US" smtClean="0"/>
               <a:pPr/>
-              <a:t>2020/7/6</a:t>
+              <a:t>2020/7/14</a:t>
             </a:fld>
             <a:endParaRPr kumimoji="1" lang="ja-JP" altLang="en-US"/>
           </a:p>
@@ -1316,7 +1317,7 @@
             <a:fld id="{51B869B6-A1BB-4C9E-8561-EA9AF8554193}" type="datetimeFigureOut">
               <a:rPr kumimoji="1" lang="ja-JP" altLang="en-US" smtClean="0"/>
               <a:pPr/>
-              <a:t>2020/7/6</a:t>
+              <a:t>2020/7/14</a:t>
             </a:fld>
             <a:endParaRPr kumimoji="1" lang="ja-JP" altLang="en-US"/>
           </a:p>
@@ -1559,7 +1560,7 @@
             <a:fld id="{51B869B6-A1BB-4C9E-8561-EA9AF8554193}" type="datetimeFigureOut">
               <a:rPr kumimoji="1" lang="ja-JP" altLang="en-US" smtClean="0"/>
               <a:pPr/>
-              <a:t>2020/7/6</a:t>
+              <a:t>2020/7/14</a:t>
             </a:fld>
             <a:endParaRPr kumimoji="1" lang="ja-JP" altLang="en-US"/>
           </a:p>
@@ -1908,7 +1909,7 @@
             <a:fld id="{51B869B6-A1BB-4C9E-8561-EA9AF8554193}" type="datetimeFigureOut">
               <a:rPr kumimoji="1" lang="ja-JP" altLang="en-US" smtClean="0"/>
               <a:pPr/>
-              <a:t>2020/7/6</a:t>
+              <a:t>2020/7/14</a:t>
             </a:fld>
             <a:endParaRPr kumimoji="1" lang="ja-JP" altLang="en-US"/>
           </a:p>
@@ -2391,7 +2392,7 @@
             <a:fld id="{51B869B6-A1BB-4C9E-8561-EA9AF8554193}" type="datetimeFigureOut">
               <a:rPr kumimoji="1" lang="ja-JP" altLang="en-US" smtClean="0"/>
               <a:pPr/>
-              <a:t>2020/7/6</a:t>
+              <a:t>2020/7/14</a:t>
             </a:fld>
             <a:endParaRPr kumimoji="1" lang="ja-JP" altLang="en-US"/>
           </a:p>
@@ -2506,7 +2507,7 @@
             <a:fld id="{51B869B6-A1BB-4C9E-8561-EA9AF8554193}" type="datetimeFigureOut">
               <a:rPr kumimoji="1" lang="ja-JP" altLang="en-US" smtClean="0"/>
               <a:pPr/>
-              <a:t>2020/7/6</a:t>
+              <a:t>2020/7/14</a:t>
             </a:fld>
             <a:endParaRPr kumimoji="1" lang="ja-JP" altLang="en-US"/>
           </a:p>
@@ -2598,7 +2599,7 @@
             <a:fld id="{51B869B6-A1BB-4C9E-8561-EA9AF8554193}" type="datetimeFigureOut">
               <a:rPr kumimoji="1" lang="ja-JP" altLang="en-US" smtClean="0"/>
               <a:pPr/>
-              <a:t>2020/7/6</a:t>
+              <a:t>2020/7/14</a:t>
             </a:fld>
             <a:endParaRPr kumimoji="1" lang="ja-JP" altLang="en-US"/>
           </a:p>
@@ -2904,7 +2905,7 @@
             <a:fld id="{51B869B6-A1BB-4C9E-8561-EA9AF8554193}" type="datetimeFigureOut">
               <a:rPr kumimoji="1" lang="ja-JP" altLang="en-US" smtClean="0"/>
               <a:pPr/>
-              <a:t>2020/7/6</a:t>
+              <a:t>2020/7/14</a:t>
             </a:fld>
             <a:endParaRPr kumimoji="1" lang="ja-JP" altLang="en-US"/>
           </a:p>
@@ -3154,7 +3155,7 @@
             <a:fld id="{51B869B6-A1BB-4C9E-8561-EA9AF8554193}" type="datetimeFigureOut">
               <a:rPr kumimoji="1" lang="ja-JP" altLang="en-US" smtClean="0"/>
               <a:pPr/>
-              <a:t>2020/7/6</a:t>
+              <a:t>2020/7/14</a:t>
             </a:fld>
             <a:endParaRPr kumimoji="1" lang="ja-JP" altLang="en-US"/>
           </a:p>
@@ -3396,7 +3397,7 @@
             <a:fld id="{51B869B6-A1BB-4C9E-8561-EA9AF8554193}" type="datetimeFigureOut">
               <a:rPr kumimoji="1" lang="ja-JP" altLang="en-US" smtClean="0"/>
               <a:pPr/>
-              <a:t>2020/7/6</a:t>
+              <a:t>2020/7/14</a:t>
             </a:fld>
             <a:endParaRPr kumimoji="1" lang="ja-JP" altLang="en-US"/>
           </a:p>
@@ -3942,7 +3943,18 @@
           <a:p>
             <a:r>
               <a:rPr lang="ja-JP" altLang="en-US" sz="1600" dirty="0" smtClean="0"/>
-              <a:t>相殺は専用エフェクトにする</a:t>
+              <a:t>相殺は専用エフェクトに</a:t>
+            </a:r>
+            <a:r>
+              <a:rPr lang="ja-JP" altLang="en-US" sz="1600" dirty="0" smtClean="0"/>
+              <a:t>する</a:t>
+            </a:r>
+            <a:endParaRPr lang="en-US" altLang="ja-JP" sz="1600" dirty="0" smtClean="0"/>
+          </a:p>
+          <a:p>
+            <a:r>
+              <a:rPr lang="ja-JP" altLang="en-US" sz="1600" dirty="0" smtClean="0"/>
+              <a:t>ハンシャの素材差し替え</a:t>
             </a:r>
             <a:endParaRPr lang="en-US" altLang="ja-JP" sz="1600" dirty="0" smtClean="0"/>
           </a:p>
@@ -4014,7 +4026,7 @@
     </p:spTree>
     <p:extLst>
       <p:ext uri="{BB962C8B-B14F-4D97-AF65-F5344CB8AC3E}">
-        <p14:creationId xmlns:p14="http://schemas.microsoft.com/office/powerpoint/2010/main" xmlns="" val="3100865840"/>
+        <p14:creationId xmlns="" xmlns:p14="http://schemas.microsoft.com/office/powerpoint/2010/main" val="3100865840"/>
       </p:ext>
     </p:extLst>
   </p:cSld>
@@ -4554,11 +4566,7 @@
             </a:r>
             <a:r>
               <a:rPr lang="ja-JP" altLang="en-US" sz="1800" dirty="0" smtClean="0"/>
-              <a:t>今出て</a:t>
-            </a:r>
-            <a:r>
-              <a:rPr lang="ja-JP" altLang="en-US" sz="1800" dirty="0" smtClean="0"/>
-              <a:t>いるマズルエフェクト</a:t>
+              <a:t>今出ているマズルエフェクト</a:t>
             </a:r>
             <a:r>
               <a:rPr lang="en-US" altLang="ja-JP" sz="1800" dirty="0" smtClean="0"/>
@@ -4655,11 +4663,7 @@
             <a:pPr marL="0" lvl="1"/>
             <a:r>
               <a:rPr lang="ja-JP" altLang="en-US" dirty="0" smtClean="0"/>
-              <a:t>（調整</a:t>
-            </a:r>
-            <a:r>
-              <a:rPr lang="ja-JP" altLang="en-US" dirty="0" smtClean="0"/>
-              <a:t>方法を教えてもらえればこちらでやります）</a:t>
+              <a:t>（調整方法を教えてもらえればこちらでやります）</a:t>
             </a:r>
             <a:endParaRPr lang="en-US" altLang="ja-JP" sz="1600" dirty="0" smtClean="0"/>
           </a:p>
@@ -4994,6 +4998,224 @@
           </a:p>
         </p:txBody>
       </p:sp>
+    </p:spTree>
+  </p:cSld>
+  <p:clrMapOvr>
+    <a:masterClrMapping/>
+  </p:clrMapOvr>
+  <p:timing>
+    <p:tnLst>
+      <p:par>
+        <p:cTn id="1" dur="indefinite" restart="never" nodeType="tmRoot"/>
+      </p:par>
+    </p:tnLst>
+  </p:timing>
+</p:sld>
+</file>
+
+<file path=ppt/slides/slide8.xml><?xml version="1.0" encoding="utf-8"?>
+<p:sld xmlns:a="http://schemas.openxmlformats.org/drawingml/2006/main" xmlns:r="http://schemas.openxmlformats.org/officeDocument/2006/relationships" xmlns:p="http://schemas.openxmlformats.org/presentationml/2006/main">
+  <p:cSld>
+    <p:spTree>
+      <p:nvGrpSpPr>
+        <p:cNvPr id="1" name=""/>
+        <p:cNvGrpSpPr/>
+        <p:nvPr/>
+      </p:nvGrpSpPr>
+      <p:grpSpPr>
+        <a:xfrm>
+          <a:off x="0" y="0"/>
+          <a:ext cx="0" cy="0"/>
+          <a:chOff x="0" y="0"/>
+          <a:chExt cx="0" cy="0"/>
+        </a:xfrm>
+      </p:grpSpPr>
+      <p:sp>
+        <p:nvSpPr>
+          <p:cNvPr id="2" name="タイトル 1"/>
+          <p:cNvSpPr>
+            <a:spLocks noGrp="1"/>
+          </p:cNvSpPr>
+          <p:nvPr>
+            <p:ph type="title"/>
+          </p:nvPr>
+        </p:nvSpPr>
+        <p:spPr>
+          <a:xfrm>
+            <a:off x="457200" y="71422"/>
+            <a:ext cx="8229600" cy="1143000"/>
+          </a:xfrm>
+        </p:spPr>
+        <p:txBody>
+          <a:bodyPr>
+            <a:normAutofit/>
+          </a:bodyPr>
+          <a:lstStyle/>
+          <a:p>
+            <a:r>
+              <a:rPr lang="ja-JP" altLang="en-US" dirty="0" smtClean="0"/>
+              <a:t>ハンシャの素材差し替え</a:t>
+            </a:r>
+            <a:endParaRPr lang="en-US" altLang="ja-JP" dirty="0" smtClean="0"/>
+          </a:p>
+        </p:txBody>
+      </p:sp>
+      <p:sp>
+        <p:nvSpPr>
+          <p:cNvPr id="3" name="コンテンツ プレースホルダ 2"/>
+          <p:cNvSpPr>
+            <a:spLocks noGrp="1"/>
+          </p:cNvSpPr>
+          <p:nvPr>
+            <p:ph idx="1"/>
+          </p:nvPr>
+        </p:nvSpPr>
+        <p:spPr>
+          <a:xfrm>
+            <a:off x="457200" y="1357297"/>
+            <a:ext cx="8229600" cy="5214975"/>
+          </a:xfrm>
+        </p:spPr>
+        <p:txBody>
+          <a:bodyPr>
+            <a:normAutofit/>
+          </a:bodyPr>
+          <a:lstStyle/>
+          <a:p>
+            <a:pPr lvl="1">
+              <a:buNone/>
+            </a:pPr>
+            <a:r>
+              <a:rPr lang="ja-JP" altLang="en-US" sz="1800" dirty="0" smtClean="0"/>
+              <a:t>・「</a:t>
+            </a:r>
+            <a:r>
+              <a:rPr lang="en-US" altLang="ja-JP" sz="1800" dirty="0" err="1" smtClean="0"/>
+              <a:t>option_hansha</a:t>
+            </a:r>
+            <a:r>
+              <a:rPr lang="ja-JP" altLang="en-US" sz="1800" dirty="0" smtClean="0"/>
+              <a:t>」プレハブが正しい素材です。</a:t>
+            </a:r>
+            <a:endParaRPr lang="en-US" altLang="ja-JP" sz="1800" dirty="0" smtClean="0"/>
+          </a:p>
+          <a:p>
+            <a:pPr lvl="1">
+              <a:buNone/>
+            </a:pPr>
+            <a:r>
+              <a:rPr lang="ja-JP" altLang="en-US" sz="1800" dirty="0" smtClean="0"/>
+              <a:t>現在「</a:t>
+            </a:r>
+            <a:r>
+              <a:rPr lang="en-US" altLang="ja-JP" sz="1800" dirty="0" err="1" smtClean="0"/>
+              <a:t>option_hissatu</a:t>
+            </a:r>
+            <a:r>
+              <a:rPr lang="ja-JP" altLang="en-US" sz="1800" dirty="0" smtClean="0"/>
+              <a:t>」を仮素材でつかっている様子ですが</a:t>
+            </a:r>
+            <a:endParaRPr lang="en-US" altLang="ja-JP" sz="1800" dirty="0" smtClean="0"/>
+          </a:p>
+          <a:p>
+            <a:pPr lvl="1">
+              <a:buNone/>
+            </a:pPr>
+            <a:r>
+              <a:rPr lang="ja-JP" altLang="en-US" sz="1800" dirty="0" smtClean="0"/>
+              <a:t>差し換えお願い</a:t>
+            </a:r>
+            <a:r>
+              <a:rPr lang="ja-JP" altLang="en-US" sz="1800" dirty="0" smtClean="0"/>
+              <a:t>します。</a:t>
+            </a:r>
+            <a:endParaRPr lang="en-US" altLang="ja-JP" sz="1800" dirty="0" smtClean="0"/>
+          </a:p>
+          <a:p>
+            <a:pPr lvl="1">
+              <a:buNone/>
+            </a:pPr>
+            <a:r>
+              <a:rPr lang="ja-JP" altLang="en-US" sz="1800" dirty="0" smtClean="0"/>
+              <a:t>・仕様書に書いてあるように８方向ランダムで選ばれる</a:t>
+            </a:r>
+            <a:endParaRPr lang="en-US" altLang="ja-JP" sz="1800" dirty="0" smtClean="0"/>
+          </a:p>
+          <a:p>
+            <a:pPr lvl="1">
+              <a:buNone/>
+            </a:pPr>
+            <a:r>
+              <a:rPr lang="ja-JP" altLang="en-US" sz="1800" dirty="0" smtClean="0"/>
+              <a:t>仕様も（選択段階で度の方かは分かる）実装お願いします。</a:t>
+            </a:r>
+            <a:endParaRPr lang="en-US" altLang="ja-JP" sz="1600" dirty="0" smtClean="0"/>
+          </a:p>
+        </p:txBody>
+      </p:sp>
+      <p:sp>
+        <p:nvSpPr>
+          <p:cNvPr id="5" name="正方形/長方形 4"/>
+          <p:cNvSpPr/>
+          <p:nvPr/>
+        </p:nvSpPr>
+        <p:spPr>
+          <a:xfrm>
+            <a:off x="285720" y="4857760"/>
+            <a:ext cx="4857752" cy="369332"/>
+          </a:xfrm>
+          <a:prstGeom prst="rect">
+            <a:avLst/>
+          </a:prstGeom>
+        </p:spPr>
+        <p:txBody>
+          <a:bodyPr wrap="square">
+            <a:spAutoFit/>
+          </a:bodyPr>
+          <a:lstStyle/>
+          <a:p>
+            <a:r>
+              <a:rPr lang="ja-JP" altLang="en-US" dirty="0" err="1" smtClean="0"/>
+              <a:t>格納</a:t>
+            </a:r>
+            <a:r>
+              <a:rPr lang="ja-JP" altLang="en-US" err="1" smtClean="0"/>
+              <a:t>場所</a:t>
+            </a:r>
+            <a:r>
+              <a:rPr lang="ja-JP" altLang="en-US" smtClean="0"/>
+              <a:t>はこちらです</a:t>
+            </a:r>
+            <a:endParaRPr lang="ja-JP" altLang="en-US" dirty="0"/>
+          </a:p>
+        </p:txBody>
+      </p:sp>
+      <p:pic>
+        <p:nvPicPr>
+          <p:cNvPr id="1026" name="Picture 2" descr="D:\d_Program Files\360stg\無題.png"/>
+          <p:cNvPicPr>
+            <a:picLocks noChangeAspect="1" noChangeArrowheads="1"/>
+          </p:cNvPicPr>
+          <p:nvPr/>
+        </p:nvPicPr>
+        <p:blipFill>
+          <a:blip r:embed="rId2"/>
+          <a:srcRect/>
+          <a:stretch>
+            <a:fillRect/>
+          </a:stretch>
+        </p:blipFill>
+        <p:spPr bwMode="auto">
+          <a:xfrm>
+            <a:off x="5257800" y="3876675"/>
+            <a:ext cx="3886200" cy="2981325"/>
+          </a:xfrm>
+          <a:prstGeom prst="rect">
+            <a:avLst/>
+          </a:prstGeom>
+          <a:noFill/>
+        </p:spPr>
+      </p:pic>
     </p:spTree>
   </p:cSld>
   <p:clrMapOvr>

--- a/project/資料/スマホ最適化縦STG_修正要望.pptx
+++ b/project/資料/スマホ最適化縦STG_修正要望.pptx
@@ -5,7 +5,7 @@
     <p:sldMasterId id="2147483744" r:id="rId1"/>
   </p:sldMasterIdLst>
   <p:notesMasterIdLst>
-    <p:notesMasterId r:id="rId10"/>
+    <p:notesMasterId r:id="rId11"/>
   </p:notesMasterIdLst>
   <p:sldIdLst>
     <p:sldId id="256" r:id="rId2"/>
@@ -16,16 +16,17 @@
     <p:sldId id="302" r:id="rId7"/>
     <p:sldId id="303" r:id="rId8"/>
     <p:sldId id="304" r:id="rId9"/>
+    <p:sldId id="305" r:id="rId10"/>
   </p:sldIdLst>
   <p:sldSz cx="9144000" cy="6858000" type="screen4x3"/>
   <p:notesSz cx="6858000" cy="9144000"/>
   <p:embeddedFontLst>
     <p:embeddedFont>
       <p:font typeface="Calibri" pitchFamily="34" charset="0"/>
-      <p:regular r:id="rId11"/>
-      <p:bold r:id="rId12"/>
-      <p:italic r:id="rId13"/>
-      <p:boldItalic r:id="rId14"/>
+      <p:regular r:id="rId12"/>
+      <p:bold r:id="rId13"/>
+      <p:italic r:id="rId14"/>
+      <p:boldItalic r:id="rId15"/>
     </p:embeddedFont>
   </p:embeddedFontLst>
   <p:defaultTextStyle>
@@ -225,7 +226,7 @@
             <a:fld id="{8587BA4A-3F63-455B-A7BC-BE3ACF86011E}" type="datetimeFigureOut">
               <a:rPr kumimoji="1" lang="ja-JP" altLang="en-US" smtClean="0"/>
               <a:pPr/>
-              <a:t>2020/7/14</a:t>
+              <a:t>2020/7/20</a:t>
             </a:fld>
             <a:endParaRPr kumimoji="1" lang="ja-JP" altLang="en-US"/>
           </a:p>
@@ -710,7 +711,7 @@
             <a:fld id="{51B869B6-A1BB-4C9E-8561-EA9AF8554193}" type="datetimeFigureOut">
               <a:rPr kumimoji="1" lang="ja-JP" altLang="en-US" smtClean="0"/>
               <a:pPr/>
-              <a:t>2020/7/14</a:t>
+              <a:t>2020/7/20</a:t>
             </a:fld>
             <a:endParaRPr kumimoji="1" lang="ja-JP" altLang="en-US"/>
           </a:p>
@@ -909,7 +910,7 @@
             <a:fld id="{51B869B6-A1BB-4C9E-8561-EA9AF8554193}" type="datetimeFigureOut">
               <a:rPr kumimoji="1" lang="ja-JP" altLang="en-US" smtClean="0"/>
               <a:pPr/>
-              <a:t>2020/7/14</a:t>
+              <a:t>2020/7/20</a:t>
             </a:fld>
             <a:endParaRPr kumimoji="1" lang="ja-JP" altLang="en-US"/>
           </a:p>
@@ -1118,7 +1119,7 @@
             <a:fld id="{51B869B6-A1BB-4C9E-8561-EA9AF8554193}" type="datetimeFigureOut">
               <a:rPr kumimoji="1" lang="ja-JP" altLang="en-US" smtClean="0"/>
               <a:pPr/>
-              <a:t>2020/7/14</a:t>
+              <a:t>2020/7/20</a:t>
             </a:fld>
             <a:endParaRPr kumimoji="1" lang="ja-JP" altLang="en-US"/>
           </a:p>
@@ -1317,7 +1318,7 @@
             <a:fld id="{51B869B6-A1BB-4C9E-8561-EA9AF8554193}" type="datetimeFigureOut">
               <a:rPr kumimoji="1" lang="ja-JP" altLang="en-US" smtClean="0"/>
               <a:pPr/>
-              <a:t>2020/7/14</a:t>
+              <a:t>2020/7/20</a:t>
             </a:fld>
             <a:endParaRPr kumimoji="1" lang="ja-JP" altLang="en-US"/>
           </a:p>
@@ -1560,7 +1561,7 @@
             <a:fld id="{51B869B6-A1BB-4C9E-8561-EA9AF8554193}" type="datetimeFigureOut">
               <a:rPr kumimoji="1" lang="ja-JP" altLang="en-US" smtClean="0"/>
               <a:pPr/>
-              <a:t>2020/7/14</a:t>
+              <a:t>2020/7/20</a:t>
             </a:fld>
             <a:endParaRPr kumimoji="1" lang="ja-JP" altLang="en-US"/>
           </a:p>
@@ -1909,7 +1910,7 @@
             <a:fld id="{51B869B6-A1BB-4C9E-8561-EA9AF8554193}" type="datetimeFigureOut">
               <a:rPr kumimoji="1" lang="ja-JP" altLang="en-US" smtClean="0"/>
               <a:pPr/>
-              <a:t>2020/7/14</a:t>
+              <a:t>2020/7/20</a:t>
             </a:fld>
             <a:endParaRPr kumimoji="1" lang="ja-JP" altLang="en-US"/>
           </a:p>
@@ -2392,7 +2393,7 @@
             <a:fld id="{51B869B6-A1BB-4C9E-8561-EA9AF8554193}" type="datetimeFigureOut">
               <a:rPr kumimoji="1" lang="ja-JP" altLang="en-US" smtClean="0"/>
               <a:pPr/>
-              <a:t>2020/7/14</a:t>
+              <a:t>2020/7/20</a:t>
             </a:fld>
             <a:endParaRPr kumimoji="1" lang="ja-JP" altLang="en-US"/>
           </a:p>
@@ -2507,7 +2508,7 @@
             <a:fld id="{51B869B6-A1BB-4C9E-8561-EA9AF8554193}" type="datetimeFigureOut">
               <a:rPr kumimoji="1" lang="ja-JP" altLang="en-US" smtClean="0"/>
               <a:pPr/>
-              <a:t>2020/7/14</a:t>
+              <a:t>2020/7/20</a:t>
             </a:fld>
             <a:endParaRPr kumimoji="1" lang="ja-JP" altLang="en-US"/>
           </a:p>
@@ -2599,7 +2600,7 @@
             <a:fld id="{51B869B6-A1BB-4C9E-8561-EA9AF8554193}" type="datetimeFigureOut">
               <a:rPr kumimoji="1" lang="ja-JP" altLang="en-US" smtClean="0"/>
               <a:pPr/>
-              <a:t>2020/7/14</a:t>
+              <a:t>2020/7/20</a:t>
             </a:fld>
             <a:endParaRPr kumimoji="1" lang="ja-JP" altLang="en-US"/>
           </a:p>
@@ -2905,7 +2906,7 @@
             <a:fld id="{51B869B6-A1BB-4C9E-8561-EA9AF8554193}" type="datetimeFigureOut">
               <a:rPr kumimoji="1" lang="ja-JP" altLang="en-US" smtClean="0"/>
               <a:pPr/>
-              <a:t>2020/7/14</a:t>
+              <a:t>2020/7/20</a:t>
             </a:fld>
             <a:endParaRPr kumimoji="1" lang="ja-JP" altLang="en-US"/>
           </a:p>
@@ -3155,7 +3156,7 @@
             <a:fld id="{51B869B6-A1BB-4C9E-8561-EA9AF8554193}" type="datetimeFigureOut">
               <a:rPr kumimoji="1" lang="ja-JP" altLang="en-US" smtClean="0"/>
               <a:pPr/>
-              <a:t>2020/7/14</a:t>
+              <a:t>2020/7/20</a:t>
             </a:fld>
             <a:endParaRPr kumimoji="1" lang="ja-JP" altLang="en-US"/>
           </a:p>
@@ -3397,7 +3398,7 @@
             <a:fld id="{51B869B6-A1BB-4C9E-8561-EA9AF8554193}" type="datetimeFigureOut">
               <a:rPr kumimoji="1" lang="ja-JP" altLang="en-US" smtClean="0"/>
               <a:pPr/>
-              <a:t>2020/7/14</a:t>
+              <a:t>2020/7/20</a:t>
             </a:fld>
             <a:endParaRPr kumimoji="1" lang="ja-JP" altLang="en-US"/>
           </a:p>
@@ -3943,11 +3944,7 @@
           <a:p>
             <a:r>
               <a:rPr lang="ja-JP" altLang="en-US" sz="1600" dirty="0" smtClean="0"/>
-              <a:t>相殺は専用エフェクトに</a:t>
-            </a:r>
-            <a:r>
-              <a:rPr lang="ja-JP" altLang="en-US" sz="1600" dirty="0" smtClean="0"/>
-              <a:t>する</a:t>
+              <a:t>相殺は専用エフェクトにする</a:t>
             </a:r>
             <a:endParaRPr lang="en-US" altLang="ja-JP" sz="1600" dirty="0" smtClean="0"/>
           </a:p>
@@ -5123,11 +5120,7 @@
             </a:pPr>
             <a:r>
               <a:rPr lang="ja-JP" altLang="en-US" sz="1800" dirty="0" smtClean="0"/>
-              <a:t>差し換えお願い</a:t>
-            </a:r>
-            <a:r>
-              <a:rPr lang="ja-JP" altLang="en-US" sz="1800" dirty="0" smtClean="0"/>
-              <a:t>します。</a:t>
+              <a:t>差し換えお願いします。</a:t>
             </a:r>
             <a:endParaRPr lang="en-US" altLang="ja-JP" sz="1800" dirty="0" smtClean="0"/>
           </a:p>
@@ -5216,6 +5209,139 @@
           <a:noFill/>
         </p:spPr>
       </p:pic>
+    </p:spTree>
+  </p:cSld>
+  <p:clrMapOvr>
+    <a:masterClrMapping/>
+  </p:clrMapOvr>
+  <p:timing>
+    <p:tnLst>
+      <p:par>
+        <p:cTn id="1" dur="indefinite" restart="never" nodeType="tmRoot"/>
+      </p:par>
+    </p:tnLst>
+  </p:timing>
+</p:sld>
+</file>
+
+<file path=ppt/slides/slide9.xml><?xml version="1.0" encoding="utf-8"?>
+<p:sld xmlns:a="http://schemas.openxmlformats.org/drawingml/2006/main" xmlns:r="http://schemas.openxmlformats.org/officeDocument/2006/relationships" xmlns:p="http://schemas.openxmlformats.org/presentationml/2006/main">
+  <p:cSld>
+    <p:spTree>
+      <p:nvGrpSpPr>
+        <p:cNvPr id="1" name=""/>
+        <p:cNvGrpSpPr/>
+        <p:nvPr/>
+      </p:nvGrpSpPr>
+      <p:grpSpPr>
+        <a:xfrm>
+          <a:off x="0" y="0"/>
+          <a:ext cx="0" cy="0"/>
+          <a:chOff x="0" y="0"/>
+          <a:chExt cx="0" cy="0"/>
+        </a:xfrm>
+      </p:grpSpPr>
+      <p:sp>
+        <p:nvSpPr>
+          <p:cNvPr id="2" name="タイトル 1"/>
+          <p:cNvSpPr>
+            <a:spLocks noGrp="1"/>
+          </p:cNvSpPr>
+          <p:nvPr>
+            <p:ph type="title"/>
+          </p:nvPr>
+        </p:nvSpPr>
+        <p:spPr>
+          <a:xfrm>
+            <a:off x="457200" y="71422"/>
+            <a:ext cx="8229600" cy="1143000"/>
+          </a:xfrm>
+        </p:spPr>
+        <p:txBody>
+          <a:bodyPr>
+            <a:normAutofit/>
+          </a:bodyPr>
+          <a:lstStyle/>
+          <a:p>
+            <a:r>
+              <a:rPr lang="ja-JP" altLang="en-US" dirty="0" smtClean="0"/>
+              <a:t>基本仕様の実装</a:t>
+            </a:r>
+            <a:endParaRPr lang="en-US" altLang="ja-JP" dirty="0" smtClean="0"/>
+          </a:p>
+        </p:txBody>
+      </p:sp>
+      <p:sp>
+        <p:nvSpPr>
+          <p:cNvPr id="3" name="コンテンツ プレースホルダ 2"/>
+          <p:cNvSpPr>
+            <a:spLocks noGrp="1"/>
+          </p:cNvSpPr>
+          <p:nvPr>
+            <p:ph idx="1"/>
+          </p:nvPr>
+        </p:nvSpPr>
+        <p:spPr>
+          <a:xfrm>
+            <a:off x="457200" y="1357297"/>
+            <a:ext cx="8229600" cy="5214975"/>
+          </a:xfrm>
+        </p:spPr>
+        <p:txBody>
+          <a:bodyPr>
+            <a:normAutofit/>
+          </a:bodyPr>
+          <a:lstStyle/>
+          <a:p>
+            <a:pPr lvl="1"/>
+            <a:r>
+              <a:rPr lang="ja-JP" altLang="en-US" sz="1800" dirty="0" smtClean="0"/>
+              <a:t>・スコア等のＵＩ</a:t>
+            </a:r>
+            <a:endParaRPr lang="en-US" altLang="ja-JP" sz="1800" dirty="0" smtClean="0"/>
+          </a:p>
+          <a:p>
+            <a:pPr lvl="1"/>
+            <a:r>
+              <a:rPr lang="en-US" altLang="ja-JP" sz="1800" dirty="0" err="1" smtClean="0"/>
+              <a:t>in_game_Canvas</a:t>
+            </a:r>
+            <a:r>
+              <a:rPr lang="ja-JP" altLang="en-US" sz="1800" dirty="0" smtClean="0"/>
+              <a:t>の使用してください。</a:t>
+            </a:r>
+            <a:endParaRPr lang="en-US" altLang="ja-JP" sz="1800" dirty="0" smtClean="0"/>
+          </a:p>
+        </p:txBody>
+      </p:sp>
+      <p:sp>
+        <p:nvSpPr>
+          <p:cNvPr id="5" name="正方形/長方形 4"/>
+          <p:cNvSpPr/>
+          <p:nvPr/>
+        </p:nvSpPr>
+        <p:spPr>
+          <a:xfrm>
+            <a:off x="285720" y="4857760"/>
+            <a:ext cx="4857752" cy="369332"/>
+          </a:xfrm>
+          <a:prstGeom prst="rect">
+            <a:avLst/>
+          </a:prstGeom>
+        </p:spPr>
+        <p:txBody>
+          <a:bodyPr wrap="square">
+            <a:spAutoFit/>
+          </a:bodyPr>
+          <a:lstStyle/>
+          <a:p>
+            <a:r>
+              <a:rPr lang="en-US" altLang="ja-JP" smtClean="0"/>
+              <a:t>/</a:t>
+            </a:r>
+          </a:p>
+        </p:txBody>
+      </p:sp>
     </p:spTree>
   </p:cSld>
   <p:clrMapOvr>

--- a/project/資料/スマホ最適化縦STG_修正要望.pptx
+++ b/project/資料/スマホ最適化縦STG_修正要望.pptx
@@ -5,7 +5,7 @@
     <p:sldMasterId id="2147483744" r:id="rId1"/>
   </p:sldMasterIdLst>
   <p:notesMasterIdLst>
-    <p:notesMasterId r:id="rId11"/>
+    <p:notesMasterId r:id="rId12"/>
   </p:notesMasterIdLst>
   <p:sldIdLst>
     <p:sldId id="256" r:id="rId2"/>
@@ -16,17 +16,18 @@
     <p:sldId id="302" r:id="rId7"/>
     <p:sldId id="303" r:id="rId8"/>
     <p:sldId id="304" r:id="rId9"/>
-    <p:sldId id="305" r:id="rId10"/>
+    <p:sldId id="306" r:id="rId10"/>
+    <p:sldId id="305" r:id="rId11"/>
   </p:sldIdLst>
   <p:sldSz cx="9144000" cy="6858000" type="screen4x3"/>
   <p:notesSz cx="6858000" cy="9144000"/>
   <p:embeddedFontLst>
     <p:embeddedFont>
       <p:font typeface="Calibri" pitchFamily="34" charset="0"/>
-      <p:regular r:id="rId12"/>
-      <p:bold r:id="rId13"/>
-      <p:italic r:id="rId14"/>
-      <p:boldItalic r:id="rId15"/>
+      <p:regular r:id="rId13"/>
+      <p:bold r:id="rId14"/>
+      <p:italic r:id="rId15"/>
+      <p:boldItalic r:id="rId16"/>
     </p:embeddedFont>
   </p:embeddedFontLst>
   <p:defaultTextStyle>
@@ -226,7 +227,7 @@
             <a:fld id="{8587BA4A-3F63-455B-A7BC-BE3ACF86011E}" type="datetimeFigureOut">
               <a:rPr kumimoji="1" lang="ja-JP" altLang="en-US" smtClean="0"/>
               <a:pPr/>
-              <a:t>2020/7/20</a:t>
+              <a:t>2020/8/2</a:t>
             </a:fld>
             <a:endParaRPr kumimoji="1" lang="ja-JP" altLang="en-US"/>
           </a:p>
@@ -711,7 +712,7 @@
             <a:fld id="{51B869B6-A1BB-4C9E-8561-EA9AF8554193}" type="datetimeFigureOut">
               <a:rPr kumimoji="1" lang="ja-JP" altLang="en-US" smtClean="0"/>
               <a:pPr/>
-              <a:t>2020/7/20</a:t>
+              <a:t>2020/8/2</a:t>
             </a:fld>
             <a:endParaRPr kumimoji="1" lang="ja-JP" altLang="en-US"/>
           </a:p>
@@ -910,7 +911,7 @@
             <a:fld id="{51B869B6-A1BB-4C9E-8561-EA9AF8554193}" type="datetimeFigureOut">
               <a:rPr kumimoji="1" lang="ja-JP" altLang="en-US" smtClean="0"/>
               <a:pPr/>
-              <a:t>2020/7/20</a:t>
+              <a:t>2020/8/2</a:t>
             </a:fld>
             <a:endParaRPr kumimoji="1" lang="ja-JP" altLang="en-US"/>
           </a:p>
@@ -1119,7 +1120,7 @@
             <a:fld id="{51B869B6-A1BB-4C9E-8561-EA9AF8554193}" type="datetimeFigureOut">
               <a:rPr kumimoji="1" lang="ja-JP" altLang="en-US" smtClean="0"/>
               <a:pPr/>
-              <a:t>2020/7/20</a:t>
+              <a:t>2020/8/2</a:t>
             </a:fld>
             <a:endParaRPr kumimoji="1" lang="ja-JP" altLang="en-US"/>
           </a:p>
@@ -1318,7 +1319,7 @@
             <a:fld id="{51B869B6-A1BB-4C9E-8561-EA9AF8554193}" type="datetimeFigureOut">
               <a:rPr kumimoji="1" lang="ja-JP" altLang="en-US" smtClean="0"/>
               <a:pPr/>
-              <a:t>2020/7/20</a:t>
+              <a:t>2020/8/2</a:t>
             </a:fld>
             <a:endParaRPr kumimoji="1" lang="ja-JP" altLang="en-US"/>
           </a:p>
@@ -1561,7 +1562,7 @@
             <a:fld id="{51B869B6-A1BB-4C9E-8561-EA9AF8554193}" type="datetimeFigureOut">
               <a:rPr kumimoji="1" lang="ja-JP" altLang="en-US" smtClean="0"/>
               <a:pPr/>
-              <a:t>2020/7/20</a:t>
+              <a:t>2020/8/2</a:t>
             </a:fld>
             <a:endParaRPr kumimoji="1" lang="ja-JP" altLang="en-US"/>
           </a:p>
@@ -1910,7 +1911,7 @@
             <a:fld id="{51B869B6-A1BB-4C9E-8561-EA9AF8554193}" type="datetimeFigureOut">
               <a:rPr kumimoji="1" lang="ja-JP" altLang="en-US" smtClean="0"/>
               <a:pPr/>
-              <a:t>2020/7/20</a:t>
+              <a:t>2020/8/2</a:t>
             </a:fld>
             <a:endParaRPr kumimoji="1" lang="ja-JP" altLang="en-US"/>
           </a:p>
@@ -2393,7 +2394,7 @@
             <a:fld id="{51B869B6-A1BB-4C9E-8561-EA9AF8554193}" type="datetimeFigureOut">
               <a:rPr kumimoji="1" lang="ja-JP" altLang="en-US" smtClean="0"/>
               <a:pPr/>
-              <a:t>2020/7/20</a:t>
+              <a:t>2020/8/2</a:t>
             </a:fld>
             <a:endParaRPr kumimoji="1" lang="ja-JP" altLang="en-US"/>
           </a:p>
@@ -2508,7 +2509,7 @@
             <a:fld id="{51B869B6-A1BB-4C9E-8561-EA9AF8554193}" type="datetimeFigureOut">
               <a:rPr kumimoji="1" lang="ja-JP" altLang="en-US" smtClean="0"/>
               <a:pPr/>
-              <a:t>2020/7/20</a:t>
+              <a:t>2020/8/2</a:t>
             </a:fld>
             <a:endParaRPr kumimoji="1" lang="ja-JP" altLang="en-US"/>
           </a:p>
@@ -2600,7 +2601,7 @@
             <a:fld id="{51B869B6-A1BB-4C9E-8561-EA9AF8554193}" type="datetimeFigureOut">
               <a:rPr kumimoji="1" lang="ja-JP" altLang="en-US" smtClean="0"/>
               <a:pPr/>
-              <a:t>2020/7/20</a:t>
+              <a:t>2020/8/2</a:t>
             </a:fld>
             <a:endParaRPr kumimoji="1" lang="ja-JP" altLang="en-US"/>
           </a:p>
@@ -2906,7 +2907,7 @@
             <a:fld id="{51B869B6-A1BB-4C9E-8561-EA9AF8554193}" type="datetimeFigureOut">
               <a:rPr kumimoji="1" lang="ja-JP" altLang="en-US" smtClean="0"/>
               <a:pPr/>
-              <a:t>2020/7/20</a:t>
+              <a:t>2020/8/2</a:t>
             </a:fld>
             <a:endParaRPr kumimoji="1" lang="ja-JP" altLang="en-US"/>
           </a:p>
@@ -3156,7 +3157,7 @@
             <a:fld id="{51B869B6-A1BB-4C9E-8561-EA9AF8554193}" type="datetimeFigureOut">
               <a:rPr kumimoji="1" lang="ja-JP" altLang="en-US" smtClean="0"/>
               <a:pPr/>
-              <a:t>2020/7/20</a:t>
+              <a:t>2020/8/2</a:t>
             </a:fld>
             <a:endParaRPr kumimoji="1" lang="ja-JP" altLang="en-US"/>
           </a:p>
@@ -3398,7 +3399,7 @@
             <a:fld id="{51B869B6-A1BB-4C9E-8561-EA9AF8554193}" type="datetimeFigureOut">
               <a:rPr kumimoji="1" lang="ja-JP" altLang="en-US" smtClean="0"/>
               <a:pPr/>
-              <a:t>2020/7/20</a:t>
+              <a:t>2020/8/2</a:t>
             </a:fld>
             <a:endParaRPr kumimoji="1" lang="ja-JP" altLang="en-US"/>
           </a:p>
@@ -3846,6 +3847,123 @@
 </p:sld>
 </file>
 
+<file path=ppt/slides/slide10.xml><?xml version="1.0" encoding="utf-8"?>
+<p:sld xmlns:a="http://schemas.openxmlformats.org/drawingml/2006/main" xmlns:r="http://schemas.openxmlformats.org/officeDocument/2006/relationships" xmlns:p="http://schemas.openxmlformats.org/presentationml/2006/main">
+  <p:cSld>
+    <p:spTree>
+      <p:nvGrpSpPr>
+        <p:cNvPr id="1" name=""/>
+        <p:cNvGrpSpPr/>
+        <p:nvPr/>
+      </p:nvGrpSpPr>
+      <p:grpSpPr>
+        <a:xfrm>
+          <a:off x="0" y="0"/>
+          <a:ext cx="0" cy="0"/>
+          <a:chOff x="0" y="0"/>
+          <a:chExt cx="0" cy="0"/>
+        </a:xfrm>
+      </p:grpSpPr>
+      <p:sp>
+        <p:nvSpPr>
+          <p:cNvPr id="2" name="タイトル 1"/>
+          <p:cNvSpPr>
+            <a:spLocks noGrp="1"/>
+          </p:cNvSpPr>
+          <p:nvPr>
+            <p:ph type="title"/>
+          </p:nvPr>
+        </p:nvSpPr>
+        <p:spPr>
+          <a:xfrm>
+            <a:off x="457200" y="71422"/>
+            <a:ext cx="8229600" cy="1143000"/>
+          </a:xfrm>
+        </p:spPr>
+        <p:txBody>
+          <a:bodyPr>
+            <a:normAutofit/>
+          </a:bodyPr>
+          <a:lstStyle/>
+          <a:p>
+            <a:r>
+              <a:rPr lang="ja-JP" altLang="en-US" dirty="0" smtClean="0"/>
+              <a:t>基本仕様の実装</a:t>
+            </a:r>
+            <a:endParaRPr lang="en-US" altLang="ja-JP" dirty="0" smtClean="0"/>
+          </a:p>
+        </p:txBody>
+      </p:sp>
+      <p:sp>
+        <p:nvSpPr>
+          <p:cNvPr id="3" name="コンテンツ プレースホルダ 2"/>
+          <p:cNvSpPr>
+            <a:spLocks noGrp="1"/>
+          </p:cNvSpPr>
+          <p:nvPr>
+            <p:ph idx="1"/>
+          </p:nvPr>
+        </p:nvSpPr>
+        <p:spPr>
+          <a:xfrm>
+            <a:off x="457200" y="1357297"/>
+            <a:ext cx="8229600" cy="5214975"/>
+          </a:xfrm>
+        </p:spPr>
+        <p:txBody>
+          <a:bodyPr>
+            <a:normAutofit/>
+          </a:bodyPr>
+          <a:lstStyle/>
+          <a:p>
+            <a:pPr lvl="1"/>
+            <a:endParaRPr lang="en-US" altLang="ja-JP" sz="1800" dirty="0" smtClean="0"/>
+          </a:p>
+        </p:txBody>
+      </p:sp>
+      <p:sp>
+        <p:nvSpPr>
+          <p:cNvPr id="5" name="正方形/長方形 4"/>
+          <p:cNvSpPr/>
+          <p:nvPr/>
+        </p:nvSpPr>
+        <p:spPr>
+          <a:xfrm>
+            <a:off x="285720" y="4857760"/>
+            <a:ext cx="4857752" cy="369332"/>
+          </a:xfrm>
+          <a:prstGeom prst="rect">
+            <a:avLst/>
+          </a:prstGeom>
+        </p:spPr>
+        <p:txBody>
+          <a:bodyPr wrap="square">
+            <a:spAutoFit/>
+          </a:bodyPr>
+          <a:lstStyle/>
+          <a:p>
+            <a:r>
+              <a:rPr lang="en-US" altLang="ja-JP" smtClean="0"/>
+              <a:t>/</a:t>
+            </a:r>
+          </a:p>
+        </p:txBody>
+      </p:sp>
+    </p:spTree>
+  </p:cSld>
+  <p:clrMapOvr>
+    <a:masterClrMapping/>
+  </p:clrMapOvr>
+  <p:timing>
+    <p:tnLst>
+      <p:par>
+        <p:cTn id="1" dur="indefinite" restart="never" nodeType="tmRoot"/>
+      </p:par>
+    </p:tnLst>
+  </p:timing>
+</p:sld>
+</file>
+
 <file path=ppt/slides/slide2.xml><?xml version="1.0" encoding="utf-8"?>
 <p:sld xmlns:a="http://schemas.openxmlformats.org/drawingml/2006/main" xmlns:r="http://schemas.openxmlformats.org/officeDocument/2006/relationships" xmlns:p="http://schemas.openxmlformats.org/presentationml/2006/main">
   <p:cSld>
@@ -3958,6 +4076,21 @@
           <a:p>
             <a:r>
               <a:rPr lang="ja-JP" altLang="en-US" sz="1600" dirty="0" smtClean="0"/>
+              <a:t>デバッグ機能</a:t>
+            </a:r>
+            <a:endParaRPr lang="en-US" altLang="ja-JP" sz="1600" dirty="0" smtClean="0"/>
+          </a:p>
+          <a:p>
+            <a:pPr lvl="1"/>
+            <a:r>
+              <a:rPr lang="ja-JP" altLang="en-US" sz="1200" smtClean="0"/>
+              <a:t>好きなランクからスタート</a:t>
+            </a:r>
+            <a:endParaRPr lang="en-US" altLang="ja-JP" sz="1200" dirty="0" smtClean="0"/>
+          </a:p>
+          <a:p>
+            <a:r>
+              <a:rPr lang="ja-JP" altLang="en-US" sz="1600" dirty="0" smtClean="0"/>
               <a:t>基本仕様の実装</a:t>
             </a:r>
             <a:endParaRPr lang="en-US" altLang="ja-JP" sz="1600" dirty="0" smtClean="0"/>
@@ -4008,6 +4141,10 @@
               <a:rPr lang="ja-JP" altLang="en-US" sz="1200" dirty="0" smtClean="0"/>
               <a:t>ビルドランダムに２つ</a:t>
             </a:r>
+            <a:endParaRPr lang="en-US" altLang="ja-JP" sz="1200" dirty="0" smtClean="0"/>
+          </a:p>
+          <a:p>
+            <a:pPr lvl="1"/>
             <a:endParaRPr lang="en-US" altLang="ja-JP" sz="1200" dirty="0" smtClean="0"/>
           </a:p>
           <a:p>
@@ -5265,7 +5402,7 @@
           <a:p>
             <a:r>
               <a:rPr lang="ja-JP" altLang="en-US" dirty="0" smtClean="0"/>
-              <a:t>基本仕様の実装</a:t>
+              <a:t>デバッグ機能</a:t>
             </a:r>
             <a:endParaRPr lang="en-US" altLang="ja-JP" dirty="0" smtClean="0"/>
           </a:p>
@@ -5293,24 +5430,52 @@
           </a:bodyPr>
           <a:lstStyle/>
           <a:p>
-            <a:pPr lvl="1"/>
+            <a:pPr lvl="1">
+              <a:buNone/>
+            </a:pPr>
             <a:r>
               <a:rPr lang="ja-JP" altLang="en-US" sz="1800" dirty="0" smtClean="0"/>
-              <a:t>・スコア等のＵＩ</a:t>
+              <a:t>・ゲーム開始前にランクを調整できる機能</a:t>
             </a:r>
             <a:endParaRPr lang="en-US" altLang="ja-JP" sz="1800" dirty="0" smtClean="0"/>
           </a:p>
           <a:p>
-            <a:pPr lvl="1"/>
-            <a:r>
-              <a:rPr lang="en-US" altLang="ja-JP" sz="1800" dirty="0" err="1" smtClean="0"/>
-              <a:t>in_game_Canvas</a:t>
-            </a:r>
+            <a:pPr lvl="1">
+              <a:buNone/>
+            </a:pPr>
+            <a:r>
+              <a:rPr lang="en-US" altLang="ja-JP" sz="1800" dirty="0" smtClean="0"/>
+              <a:t>	</a:t>
+            </a:r>
+            <a:r>
+              <a:rPr lang="ja-JP" altLang="en-US" sz="1200" dirty="0" smtClean="0"/>
+              <a:t>ランクに対しての敵の挙動確認のため</a:t>
+            </a:r>
+            <a:endParaRPr lang="en-US" altLang="ja-JP" sz="1200" dirty="0" smtClean="0"/>
+          </a:p>
+          <a:p>
+            <a:pPr lvl="1">
+              <a:buNone/>
+            </a:pPr>
             <a:r>
               <a:rPr lang="ja-JP" altLang="en-US" sz="1800" dirty="0" smtClean="0"/>
-              <a:t>の使用してください。</a:t>
+              <a:t>・好きなウェーブ（敵出現パターン）を呼び出す機能</a:t>
             </a:r>
             <a:endParaRPr lang="en-US" altLang="ja-JP" sz="1800" dirty="0" smtClean="0"/>
+          </a:p>
+          <a:p>
+            <a:pPr lvl="1">
+              <a:buNone/>
+            </a:pPr>
+            <a:r>
+              <a:rPr lang="en-US" altLang="ja-JP" sz="1600" dirty="0" smtClean="0"/>
+              <a:t>	</a:t>
+            </a:r>
+            <a:r>
+              <a:rPr lang="ja-JP" altLang="en-US" sz="1200" dirty="0" smtClean="0"/>
+              <a:t>敵の挙動の確認のため</a:t>
+            </a:r>
+            <a:endParaRPr lang="en-US" altLang="ja-JP" sz="1200" dirty="0" smtClean="0"/>
           </a:p>
         </p:txBody>
       </p:sp>
@@ -5336,9 +5501,10 @@
           <a:lstStyle/>
           <a:p>
             <a:r>
-              <a:rPr lang="en-US" altLang="ja-JP" smtClean="0"/>
-              <a:t>/</a:t>
-            </a:r>
+              <a:rPr lang="ja-JP" altLang="en-US" dirty="0" smtClean="0"/>
+              <a:t>・</a:t>
+            </a:r>
+            <a:endParaRPr lang="ja-JP" altLang="en-US" dirty="0"/>
           </a:p>
         </p:txBody>
       </p:sp>

--- a/project/資料/スマホ最適化縦STG_修正要望.pptx
+++ b/project/資料/スマホ最適化縦STG_修正要望.pptx
@@ -5,7 +5,7 @@
     <p:sldMasterId id="2147483744" r:id="rId1"/>
   </p:sldMasterIdLst>
   <p:notesMasterIdLst>
-    <p:notesMasterId r:id="rId12"/>
+    <p:notesMasterId r:id="rId13"/>
   </p:notesMasterIdLst>
   <p:sldIdLst>
     <p:sldId id="256" r:id="rId2"/>
@@ -17,17 +17,18 @@
     <p:sldId id="303" r:id="rId8"/>
     <p:sldId id="304" r:id="rId9"/>
     <p:sldId id="306" r:id="rId10"/>
-    <p:sldId id="305" r:id="rId11"/>
+    <p:sldId id="307" r:id="rId11"/>
+    <p:sldId id="305" r:id="rId12"/>
   </p:sldIdLst>
   <p:sldSz cx="9144000" cy="6858000" type="screen4x3"/>
   <p:notesSz cx="6858000" cy="9144000"/>
   <p:embeddedFontLst>
     <p:embeddedFont>
       <p:font typeface="Calibri" pitchFamily="34" charset="0"/>
-      <p:regular r:id="rId13"/>
-      <p:bold r:id="rId14"/>
-      <p:italic r:id="rId15"/>
-      <p:boldItalic r:id="rId16"/>
+      <p:regular r:id="rId14"/>
+      <p:bold r:id="rId15"/>
+      <p:italic r:id="rId16"/>
+      <p:boldItalic r:id="rId17"/>
     </p:embeddedFont>
   </p:embeddedFontLst>
   <p:defaultTextStyle>
@@ -127,7 +128,7 @@
   </p:defaultTextStyle>
   <p:extLst>
     <p:ext uri="{EFAFB233-063F-42B5-8137-9DF3F51BA10A}">
-      <p15:sldGuideLst xmlns="" xmlns:p15="http://schemas.microsoft.com/office/powerpoint/2012/main">
+      <p15:sldGuideLst xmlns:p15="http://schemas.microsoft.com/office/powerpoint/2012/main" xmlns="">
         <p15:guide id="1" orient="horz" pos="2160" userDrawn="1">
           <p15:clr>
             <a:srgbClr val="A4A3A4"/>
@@ -227,7 +228,7 @@
             <a:fld id="{8587BA4A-3F63-455B-A7BC-BE3ACF86011E}" type="datetimeFigureOut">
               <a:rPr kumimoji="1" lang="ja-JP" altLang="en-US" smtClean="0"/>
               <a:pPr/>
-              <a:t>2020/8/2</a:t>
+              <a:t>2020/8/31</a:t>
             </a:fld>
             <a:endParaRPr kumimoji="1" lang="ja-JP" altLang="en-US"/>
           </a:p>
@@ -430,7 +431,7 @@
     </p:spTree>
     <p:extLst>
       <p:ext uri="{BB962C8B-B14F-4D97-AF65-F5344CB8AC3E}">
-        <p14:creationId xmlns="" xmlns:p14="http://schemas.microsoft.com/office/powerpoint/2010/main" val="2272850417"/>
+        <p14:creationId xmlns:p14="http://schemas.microsoft.com/office/powerpoint/2010/main" xmlns="" val="2272850417"/>
       </p:ext>
     </p:extLst>
   </p:cSld>
@@ -712,7 +713,7 @@
             <a:fld id="{51B869B6-A1BB-4C9E-8561-EA9AF8554193}" type="datetimeFigureOut">
               <a:rPr kumimoji="1" lang="ja-JP" altLang="en-US" smtClean="0"/>
               <a:pPr/>
-              <a:t>2020/8/2</a:t>
+              <a:t>2020/8/31</a:t>
             </a:fld>
             <a:endParaRPr kumimoji="1" lang="ja-JP" altLang="en-US"/>
           </a:p>
@@ -911,7 +912,7 @@
             <a:fld id="{51B869B6-A1BB-4C9E-8561-EA9AF8554193}" type="datetimeFigureOut">
               <a:rPr kumimoji="1" lang="ja-JP" altLang="en-US" smtClean="0"/>
               <a:pPr/>
-              <a:t>2020/8/2</a:t>
+              <a:t>2020/8/31</a:t>
             </a:fld>
             <a:endParaRPr kumimoji="1" lang="ja-JP" altLang="en-US"/>
           </a:p>
@@ -1120,7 +1121,7 @@
             <a:fld id="{51B869B6-A1BB-4C9E-8561-EA9AF8554193}" type="datetimeFigureOut">
               <a:rPr kumimoji="1" lang="ja-JP" altLang="en-US" smtClean="0"/>
               <a:pPr/>
-              <a:t>2020/8/2</a:t>
+              <a:t>2020/8/31</a:t>
             </a:fld>
             <a:endParaRPr kumimoji="1" lang="ja-JP" altLang="en-US"/>
           </a:p>
@@ -1319,7 +1320,7 @@
             <a:fld id="{51B869B6-A1BB-4C9E-8561-EA9AF8554193}" type="datetimeFigureOut">
               <a:rPr kumimoji="1" lang="ja-JP" altLang="en-US" smtClean="0"/>
               <a:pPr/>
-              <a:t>2020/8/2</a:t>
+              <a:t>2020/8/31</a:t>
             </a:fld>
             <a:endParaRPr kumimoji="1" lang="ja-JP" altLang="en-US"/>
           </a:p>
@@ -1562,7 +1563,7 @@
             <a:fld id="{51B869B6-A1BB-4C9E-8561-EA9AF8554193}" type="datetimeFigureOut">
               <a:rPr kumimoji="1" lang="ja-JP" altLang="en-US" smtClean="0"/>
               <a:pPr/>
-              <a:t>2020/8/2</a:t>
+              <a:t>2020/8/31</a:t>
             </a:fld>
             <a:endParaRPr kumimoji="1" lang="ja-JP" altLang="en-US"/>
           </a:p>
@@ -1911,7 +1912,7 @@
             <a:fld id="{51B869B6-A1BB-4C9E-8561-EA9AF8554193}" type="datetimeFigureOut">
               <a:rPr kumimoji="1" lang="ja-JP" altLang="en-US" smtClean="0"/>
               <a:pPr/>
-              <a:t>2020/8/2</a:t>
+              <a:t>2020/8/31</a:t>
             </a:fld>
             <a:endParaRPr kumimoji="1" lang="ja-JP" altLang="en-US"/>
           </a:p>
@@ -2394,7 +2395,7 @@
             <a:fld id="{51B869B6-A1BB-4C9E-8561-EA9AF8554193}" type="datetimeFigureOut">
               <a:rPr kumimoji="1" lang="ja-JP" altLang="en-US" smtClean="0"/>
               <a:pPr/>
-              <a:t>2020/8/2</a:t>
+              <a:t>2020/8/31</a:t>
             </a:fld>
             <a:endParaRPr kumimoji="1" lang="ja-JP" altLang="en-US"/>
           </a:p>
@@ -2509,7 +2510,7 @@
             <a:fld id="{51B869B6-A1BB-4C9E-8561-EA9AF8554193}" type="datetimeFigureOut">
               <a:rPr kumimoji="1" lang="ja-JP" altLang="en-US" smtClean="0"/>
               <a:pPr/>
-              <a:t>2020/8/2</a:t>
+              <a:t>2020/8/31</a:t>
             </a:fld>
             <a:endParaRPr kumimoji="1" lang="ja-JP" altLang="en-US"/>
           </a:p>
@@ -2601,7 +2602,7 @@
             <a:fld id="{51B869B6-A1BB-4C9E-8561-EA9AF8554193}" type="datetimeFigureOut">
               <a:rPr kumimoji="1" lang="ja-JP" altLang="en-US" smtClean="0"/>
               <a:pPr/>
-              <a:t>2020/8/2</a:t>
+              <a:t>2020/8/31</a:t>
             </a:fld>
             <a:endParaRPr kumimoji="1" lang="ja-JP" altLang="en-US"/>
           </a:p>
@@ -2907,7 +2908,7 @@
             <a:fld id="{51B869B6-A1BB-4C9E-8561-EA9AF8554193}" type="datetimeFigureOut">
               <a:rPr kumimoji="1" lang="ja-JP" altLang="en-US" smtClean="0"/>
               <a:pPr/>
-              <a:t>2020/8/2</a:t>
+              <a:t>2020/8/31</a:t>
             </a:fld>
             <a:endParaRPr kumimoji="1" lang="ja-JP" altLang="en-US"/>
           </a:p>
@@ -3157,7 +3158,7 @@
             <a:fld id="{51B869B6-A1BB-4C9E-8561-EA9AF8554193}" type="datetimeFigureOut">
               <a:rPr kumimoji="1" lang="ja-JP" altLang="en-US" smtClean="0"/>
               <a:pPr/>
-              <a:t>2020/8/2</a:t>
+              <a:t>2020/8/31</a:t>
             </a:fld>
             <a:endParaRPr kumimoji="1" lang="ja-JP" altLang="en-US"/>
           </a:p>
@@ -3399,7 +3400,7 @@
             <a:fld id="{51B869B6-A1BB-4C9E-8561-EA9AF8554193}" type="datetimeFigureOut">
               <a:rPr kumimoji="1" lang="ja-JP" altLang="en-US" smtClean="0"/>
               <a:pPr/>
-              <a:t>2020/8/2</a:t>
+              <a:t>2020/8/31</a:t>
             </a:fld>
             <a:endParaRPr kumimoji="1" lang="ja-JP" altLang="en-US"/>
           </a:p>
@@ -3888,6 +3889,168 @@
           <a:p>
             <a:r>
               <a:rPr lang="ja-JP" altLang="en-US" dirty="0" smtClean="0"/>
+              <a:t>デバッグ機能</a:t>
+            </a:r>
+            <a:endParaRPr lang="en-US" altLang="ja-JP" dirty="0" smtClean="0"/>
+          </a:p>
+        </p:txBody>
+      </p:sp>
+      <p:sp>
+        <p:nvSpPr>
+          <p:cNvPr id="3" name="コンテンツ プレースホルダ 2"/>
+          <p:cNvSpPr>
+            <a:spLocks noGrp="1"/>
+          </p:cNvSpPr>
+          <p:nvPr>
+            <p:ph idx="1"/>
+          </p:nvPr>
+        </p:nvSpPr>
+        <p:spPr>
+          <a:xfrm>
+            <a:off x="457200" y="1357297"/>
+            <a:ext cx="8229600" cy="5214975"/>
+          </a:xfrm>
+        </p:spPr>
+        <p:txBody>
+          <a:bodyPr>
+            <a:normAutofit/>
+          </a:bodyPr>
+          <a:lstStyle/>
+          <a:p>
+            <a:pPr lvl="1">
+              <a:buNone/>
+            </a:pPr>
+            <a:r>
+              <a:rPr lang="ja-JP" altLang="en-US" sz="1800" dirty="0" smtClean="0"/>
+              <a:t>・ゲーム開始前にランクを調整できる機能</a:t>
+            </a:r>
+            <a:endParaRPr lang="en-US" altLang="ja-JP" sz="1800" dirty="0" smtClean="0"/>
+          </a:p>
+          <a:p>
+            <a:pPr lvl="1">
+              <a:buNone/>
+            </a:pPr>
+            <a:r>
+              <a:rPr lang="en-US" altLang="ja-JP" sz="1800" dirty="0" smtClean="0"/>
+              <a:t>	</a:t>
+            </a:r>
+            <a:r>
+              <a:rPr lang="ja-JP" altLang="en-US" sz="1200" dirty="0" smtClean="0"/>
+              <a:t>ランクに対しての敵の挙動確認のため</a:t>
+            </a:r>
+            <a:endParaRPr lang="en-US" altLang="ja-JP" sz="1200" dirty="0" smtClean="0"/>
+          </a:p>
+          <a:p>
+            <a:pPr lvl="1">
+              <a:buNone/>
+            </a:pPr>
+            <a:r>
+              <a:rPr lang="ja-JP" altLang="en-US" sz="1800" dirty="0" smtClean="0"/>
+              <a:t>・好きなウェーブ（敵出現パターン）を呼び出す機能</a:t>
+            </a:r>
+            <a:endParaRPr lang="en-US" altLang="ja-JP" sz="1800" dirty="0" smtClean="0"/>
+          </a:p>
+          <a:p>
+            <a:pPr lvl="1">
+              <a:buNone/>
+            </a:pPr>
+            <a:r>
+              <a:rPr lang="en-US" altLang="ja-JP" sz="1600" dirty="0" smtClean="0"/>
+              <a:t>	</a:t>
+            </a:r>
+            <a:r>
+              <a:rPr lang="ja-JP" altLang="en-US" sz="1200" dirty="0" smtClean="0"/>
+              <a:t>敵の挙動の確認のため</a:t>
+            </a:r>
+            <a:endParaRPr lang="en-US" altLang="ja-JP" sz="1200" dirty="0" smtClean="0"/>
+          </a:p>
+        </p:txBody>
+      </p:sp>
+      <p:sp>
+        <p:nvSpPr>
+          <p:cNvPr id="5" name="正方形/長方形 4"/>
+          <p:cNvSpPr/>
+          <p:nvPr/>
+        </p:nvSpPr>
+        <p:spPr>
+          <a:xfrm>
+            <a:off x="285720" y="4857760"/>
+            <a:ext cx="4857752" cy="369332"/>
+          </a:xfrm>
+          <a:prstGeom prst="rect">
+            <a:avLst/>
+          </a:prstGeom>
+        </p:spPr>
+        <p:txBody>
+          <a:bodyPr wrap="square">
+            <a:spAutoFit/>
+          </a:bodyPr>
+          <a:lstStyle/>
+          <a:p>
+            <a:r>
+              <a:rPr lang="ja-JP" altLang="en-US" dirty="0" smtClean="0"/>
+              <a:t>・</a:t>
+            </a:r>
+            <a:endParaRPr lang="ja-JP" altLang="en-US" dirty="0"/>
+          </a:p>
+        </p:txBody>
+      </p:sp>
+    </p:spTree>
+  </p:cSld>
+  <p:clrMapOvr>
+    <a:masterClrMapping/>
+  </p:clrMapOvr>
+  <p:timing>
+    <p:tnLst>
+      <p:par>
+        <p:cTn id="1" dur="indefinite" restart="never" nodeType="tmRoot"/>
+      </p:par>
+    </p:tnLst>
+  </p:timing>
+</p:sld>
+</file>
+
+<file path=ppt/slides/slide11.xml><?xml version="1.0" encoding="utf-8"?>
+<p:sld xmlns:a="http://schemas.openxmlformats.org/drawingml/2006/main" xmlns:r="http://schemas.openxmlformats.org/officeDocument/2006/relationships" xmlns:p="http://schemas.openxmlformats.org/presentationml/2006/main">
+  <p:cSld>
+    <p:spTree>
+      <p:nvGrpSpPr>
+        <p:cNvPr id="1" name=""/>
+        <p:cNvGrpSpPr/>
+        <p:nvPr/>
+      </p:nvGrpSpPr>
+      <p:grpSpPr>
+        <a:xfrm>
+          <a:off x="0" y="0"/>
+          <a:ext cx="0" cy="0"/>
+          <a:chOff x="0" y="0"/>
+          <a:chExt cx="0" cy="0"/>
+        </a:xfrm>
+      </p:grpSpPr>
+      <p:sp>
+        <p:nvSpPr>
+          <p:cNvPr id="2" name="タイトル 1"/>
+          <p:cNvSpPr>
+            <a:spLocks noGrp="1"/>
+          </p:cNvSpPr>
+          <p:nvPr>
+            <p:ph type="title"/>
+          </p:nvPr>
+        </p:nvSpPr>
+        <p:spPr>
+          <a:xfrm>
+            <a:off x="457200" y="71422"/>
+            <a:ext cx="8229600" cy="1143000"/>
+          </a:xfrm>
+        </p:spPr>
+        <p:txBody>
+          <a:bodyPr>
+            <a:normAutofit/>
+          </a:bodyPr>
+          <a:lstStyle/>
+          <a:p>
+            <a:r>
+              <a:rPr lang="ja-JP" altLang="en-US" dirty="0" smtClean="0"/>
               <a:t>基本仕様の実装</a:t>
             </a:r>
             <a:endParaRPr lang="en-US" altLang="ja-JP" dirty="0" smtClean="0"/>
@@ -4026,7 +4189,9 @@
         </p:nvSpPr>
         <p:spPr/>
         <p:txBody>
-          <a:bodyPr/>
+          <a:bodyPr>
+            <a:normAutofit/>
+          </a:bodyPr>
           <a:lstStyle/>
           <a:p>
             <a:r>
@@ -4076,6 +4241,24 @@
           <a:p>
             <a:r>
               <a:rPr lang="ja-JP" altLang="en-US" sz="1600" dirty="0" smtClean="0"/>
+              <a:t>キャノン照準移動量２値化</a:t>
+            </a:r>
+            <a:endParaRPr lang="en-US" altLang="ja-JP" sz="1600" dirty="0" smtClean="0"/>
+          </a:p>
+          <a:p>
+            <a:r>
+              <a:rPr lang="ja-JP" altLang="en-US" sz="1600" dirty="0" smtClean="0"/>
+              <a:t>ショットの</a:t>
+            </a:r>
+            <a:r>
+              <a:rPr lang="ja-JP" altLang="en-US" sz="1600" smtClean="0"/>
+              <a:t>ヒットエフェクト発生</a:t>
+            </a:r>
+            <a:endParaRPr lang="en-US" altLang="ja-JP" sz="1600" dirty="0" smtClean="0"/>
+          </a:p>
+          <a:p>
+            <a:r>
+              <a:rPr lang="ja-JP" altLang="en-US" sz="1600" dirty="0" smtClean="0"/>
               <a:t>デバッグ機能</a:t>
             </a:r>
             <a:endParaRPr lang="en-US" altLang="ja-JP" sz="1600" dirty="0" smtClean="0"/>
@@ -4083,7 +4266,7 @@
           <a:p>
             <a:pPr lvl="1"/>
             <a:r>
-              <a:rPr lang="ja-JP" altLang="en-US" sz="1200" smtClean="0"/>
+              <a:rPr lang="ja-JP" altLang="en-US" sz="1200" dirty="0" smtClean="0"/>
               <a:t>好きなランクからスタート</a:t>
             </a:r>
             <a:endParaRPr lang="en-US" altLang="ja-JP" sz="1200" dirty="0" smtClean="0"/>
@@ -4160,7 +4343,7 @@
     </p:spTree>
     <p:extLst>
       <p:ext uri="{BB962C8B-B14F-4D97-AF65-F5344CB8AC3E}">
-        <p14:creationId xmlns="" xmlns:p14="http://schemas.microsoft.com/office/powerpoint/2010/main" val="3100865840"/>
+        <p14:creationId xmlns:p14="http://schemas.microsoft.com/office/powerpoint/2010/main" xmlns="" val="3100865840"/>
       </p:ext>
     </p:extLst>
   </p:cSld>
@@ -4277,8 +4460,18 @@
             </a:r>
             <a:r>
               <a:rPr lang="ja-JP" altLang="en-US" sz="1800" dirty="0" smtClean="0"/>
-              <a:t>はショットが当たった時用のＥＦＣなので不要です。</a:t>
-            </a:r>
+              <a:t>はショットが当たった時用のＥＦＣなので不要です</a:t>
+            </a:r>
+            <a:r>
+              <a:rPr lang="ja-JP" altLang="en-US" sz="1800" dirty="0" smtClean="0"/>
+              <a:t>。</a:t>
+            </a:r>
+            <a:endParaRPr lang="en-US" altLang="ja-JP" sz="1800" smtClean="0"/>
+          </a:p>
+          <a:p>
+            <a:pPr lvl="1">
+              <a:buNone/>
+            </a:pPr>
             <a:endParaRPr lang="en-US" altLang="ja-JP" sz="1800" dirty="0" smtClean="0"/>
           </a:p>
           <a:p>
@@ -4320,12 +4513,8 @@
               <a:t>efc_Generate_arm_L</a:t>
             </a:r>
             <a:r>
-              <a:rPr lang="ja-JP" altLang="en-US" sz="1600" smtClean="0"/>
-              <a:t>それぞれ１発ずつの</a:t>
-            </a:r>
-            <a:r>
               <a:rPr lang="ja-JP" altLang="en-US" sz="1600" dirty="0" smtClean="0"/>
-              <a:t>２ＷＡＹショットに</a:t>
+              <a:t>それぞれ１発ずつの２ＷＡＹショットに</a:t>
             </a:r>
             <a:endParaRPr lang="en-US" altLang="ja-JP" sz="1600" dirty="0" smtClean="0"/>
           </a:p>
@@ -4341,6 +4530,32 @@
           </a:p>
         </p:txBody>
       </p:sp>
+      <p:pic>
+        <p:nvPicPr>
+          <p:cNvPr id="1026" name="Picture 2" descr="D:\d_Program Files\360stg\無題.png"/>
+          <p:cNvPicPr>
+            <a:picLocks noChangeAspect="1" noChangeArrowheads="1"/>
+          </p:cNvPicPr>
+          <p:nvPr/>
+        </p:nvPicPr>
+        <p:blipFill>
+          <a:blip r:embed="rId2"/>
+          <a:srcRect/>
+          <a:stretch>
+            <a:fillRect/>
+          </a:stretch>
+        </p:blipFill>
+        <p:spPr bwMode="auto">
+          <a:xfrm>
+            <a:off x="1358894" y="3124197"/>
+            <a:ext cx="7785106" cy="3733803"/>
+          </a:xfrm>
+          <a:prstGeom prst="rect">
+            <a:avLst/>
+          </a:prstGeom>
+          <a:noFill/>
+        </p:spPr>
+      </p:pic>
     </p:spTree>
   </p:cSld>
   <p:clrMapOvr>
@@ -5402,7 +5617,7 @@
           <a:p>
             <a:r>
               <a:rPr lang="ja-JP" altLang="en-US" dirty="0" smtClean="0"/>
-              <a:t>デバッグ機能</a:t>
+              <a:t>キャノン照準移動量２値化</a:t>
             </a:r>
             <a:endParaRPr lang="en-US" altLang="ja-JP" dirty="0" smtClean="0"/>
           </a:p>
@@ -5434,46 +5649,8 @@
               <a:buNone/>
             </a:pPr>
             <a:r>
-              <a:rPr lang="ja-JP" altLang="en-US" sz="1800" dirty="0" smtClean="0"/>
-              <a:t>・ゲーム開始前にランクを調整できる機能</a:t>
-            </a:r>
-            <a:endParaRPr lang="en-US" altLang="ja-JP" sz="1800" dirty="0" smtClean="0"/>
-          </a:p>
-          <a:p>
-            <a:pPr lvl="1">
-              <a:buNone/>
-            </a:pPr>
-            <a:r>
-              <a:rPr lang="en-US" altLang="ja-JP" sz="1800" dirty="0" smtClean="0"/>
-              <a:t>	</a:t>
-            </a:r>
-            <a:r>
-              <a:rPr lang="ja-JP" altLang="en-US" sz="1200" dirty="0" smtClean="0"/>
-              <a:t>ランクに対しての敵の挙動確認のため</a:t>
-            </a:r>
-            <a:endParaRPr lang="en-US" altLang="ja-JP" sz="1200" dirty="0" smtClean="0"/>
-          </a:p>
-          <a:p>
-            <a:pPr lvl="1">
-              <a:buNone/>
-            </a:pPr>
-            <a:r>
-              <a:rPr lang="ja-JP" altLang="en-US" sz="1800" dirty="0" smtClean="0"/>
-              <a:t>・好きなウェーブ（敵出現パターン）を呼び出す機能</a:t>
-            </a:r>
-            <a:endParaRPr lang="en-US" altLang="ja-JP" sz="1800" dirty="0" smtClean="0"/>
-          </a:p>
-          <a:p>
-            <a:pPr lvl="1">
-              <a:buNone/>
-            </a:pPr>
-            <a:r>
-              <a:rPr lang="en-US" altLang="ja-JP" sz="1600" dirty="0" smtClean="0"/>
-              <a:t>	</a:t>
-            </a:r>
-            <a:r>
-              <a:rPr lang="ja-JP" altLang="en-US" sz="1200" dirty="0" smtClean="0"/>
-              <a:t>敵の挙動の確認のため</a:t>
+              <a:rPr lang="ja-JP" altLang="en-US" sz="1800" smtClean="0"/>
+              <a:t>・</a:t>
             </a:r>
             <a:endParaRPr lang="en-US" altLang="ja-JP" sz="1200" dirty="0" smtClean="0"/>
           </a:p>

--- a/project/資料/スマホ最適化縦STG_修正要望.pptx
+++ b/project/資料/スマホ最適化縦STG_修正要望.pptx
@@ -5,7 +5,7 @@
     <p:sldMasterId id="2147483744" r:id="rId1"/>
   </p:sldMasterIdLst>
   <p:notesMasterIdLst>
-    <p:notesMasterId r:id="rId7"/>
+    <p:notesMasterId r:id="rId9"/>
   </p:notesMasterIdLst>
   <p:sldIdLst>
     <p:sldId id="256" r:id="rId2"/>
@@ -13,16 +13,18 @@
     <p:sldId id="322" r:id="rId4"/>
     <p:sldId id="323" r:id="rId5"/>
     <p:sldId id="324" r:id="rId6"/>
+    <p:sldId id="325" r:id="rId7"/>
+    <p:sldId id="326" r:id="rId8"/>
   </p:sldIdLst>
   <p:sldSz cx="9144000" cy="6858000" type="screen4x3"/>
   <p:notesSz cx="6858000" cy="9144000"/>
   <p:embeddedFontLst>
     <p:embeddedFont>
       <p:font typeface="Calibri" pitchFamily="34" charset="0"/>
-      <p:regular r:id="rId8"/>
-      <p:bold r:id="rId9"/>
-      <p:italic r:id="rId10"/>
-      <p:boldItalic r:id="rId11"/>
+      <p:regular r:id="rId10"/>
+      <p:bold r:id="rId11"/>
+      <p:italic r:id="rId12"/>
+      <p:boldItalic r:id="rId13"/>
     </p:embeddedFont>
   </p:embeddedFontLst>
   <p:defaultTextStyle>
@@ -122,7 +124,7 @@
   </p:defaultTextStyle>
   <p:extLst>
     <p:ext uri="{EFAFB233-063F-42B5-8137-9DF3F51BA10A}">
-      <p15:sldGuideLst xmlns="" xmlns:p15="http://schemas.microsoft.com/office/powerpoint/2012/main">
+      <p15:sldGuideLst xmlns:p15="http://schemas.microsoft.com/office/powerpoint/2012/main" xmlns="">
         <p15:guide id="1" orient="horz" pos="2160" userDrawn="1">
           <p15:clr>
             <a:srgbClr val="A4A3A4"/>
@@ -222,7 +224,7 @@
             <a:fld id="{8587BA4A-3F63-455B-A7BC-BE3ACF86011E}" type="datetimeFigureOut">
               <a:rPr kumimoji="1" lang="ja-JP" altLang="en-US" smtClean="0"/>
               <a:pPr/>
-              <a:t>2020/11/12</a:t>
+              <a:t>2020/11/22</a:t>
             </a:fld>
             <a:endParaRPr kumimoji="1" lang="ja-JP" altLang="en-US"/>
           </a:p>
@@ -425,7 +427,7 @@
     </p:spTree>
     <p:extLst>
       <p:ext uri="{BB962C8B-B14F-4D97-AF65-F5344CB8AC3E}">
-        <p14:creationId xmlns="" xmlns:p14="http://schemas.microsoft.com/office/powerpoint/2010/main" val="2272850417"/>
+        <p14:creationId xmlns:p14="http://schemas.microsoft.com/office/powerpoint/2010/main" xmlns="" val="2272850417"/>
       </p:ext>
     </p:extLst>
   </p:cSld>
@@ -707,7 +709,7 @@
             <a:fld id="{51B869B6-A1BB-4C9E-8561-EA9AF8554193}" type="datetimeFigureOut">
               <a:rPr kumimoji="1" lang="ja-JP" altLang="en-US" smtClean="0"/>
               <a:pPr/>
-              <a:t>2020/11/12</a:t>
+              <a:t>2020/11/22</a:t>
             </a:fld>
             <a:endParaRPr kumimoji="1" lang="ja-JP" altLang="en-US"/>
           </a:p>
@@ -906,7 +908,7 @@
             <a:fld id="{51B869B6-A1BB-4C9E-8561-EA9AF8554193}" type="datetimeFigureOut">
               <a:rPr kumimoji="1" lang="ja-JP" altLang="en-US" smtClean="0"/>
               <a:pPr/>
-              <a:t>2020/11/12</a:t>
+              <a:t>2020/11/22</a:t>
             </a:fld>
             <a:endParaRPr kumimoji="1" lang="ja-JP" altLang="en-US"/>
           </a:p>
@@ -1115,7 +1117,7 @@
             <a:fld id="{51B869B6-A1BB-4C9E-8561-EA9AF8554193}" type="datetimeFigureOut">
               <a:rPr kumimoji="1" lang="ja-JP" altLang="en-US" smtClean="0"/>
               <a:pPr/>
-              <a:t>2020/11/12</a:t>
+              <a:t>2020/11/22</a:t>
             </a:fld>
             <a:endParaRPr kumimoji="1" lang="ja-JP" altLang="en-US"/>
           </a:p>
@@ -1314,7 +1316,7 @@
             <a:fld id="{51B869B6-A1BB-4C9E-8561-EA9AF8554193}" type="datetimeFigureOut">
               <a:rPr kumimoji="1" lang="ja-JP" altLang="en-US" smtClean="0"/>
               <a:pPr/>
-              <a:t>2020/11/12</a:t>
+              <a:t>2020/11/22</a:t>
             </a:fld>
             <a:endParaRPr kumimoji="1" lang="ja-JP" altLang="en-US"/>
           </a:p>
@@ -1557,7 +1559,7 @@
             <a:fld id="{51B869B6-A1BB-4C9E-8561-EA9AF8554193}" type="datetimeFigureOut">
               <a:rPr kumimoji="1" lang="ja-JP" altLang="en-US" smtClean="0"/>
               <a:pPr/>
-              <a:t>2020/11/12</a:t>
+              <a:t>2020/11/22</a:t>
             </a:fld>
             <a:endParaRPr kumimoji="1" lang="ja-JP" altLang="en-US"/>
           </a:p>
@@ -1906,7 +1908,7 @@
             <a:fld id="{51B869B6-A1BB-4C9E-8561-EA9AF8554193}" type="datetimeFigureOut">
               <a:rPr kumimoji="1" lang="ja-JP" altLang="en-US" smtClean="0"/>
               <a:pPr/>
-              <a:t>2020/11/12</a:t>
+              <a:t>2020/11/22</a:t>
             </a:fld>
             <a:endParaRPr kumimoji="1" lang="ja-JP" altLang="en-US"/>
           </a:p>
@@ -2389,7 +2391,7 @@
             <a:fld id="{51B869B6-A1BB-4C9E-8561-EA9AF8554193}" type="datetimeFigureOut">
               <a:rPr kumimoji="1" lang="ja-JP" altLang="en-US" smtClean="0"/>
               <a:pPr/>
-              <a:t>2020/11/12</a:t>
+              <a:t>2020/11/22</a:t>
             </a:fld>
             <a:endParaRPr kumimoji="1" lang="ja-JP" altLang="en-US"/>
           </a:p>
@@ -2504,7 +2506,7 @@
             <a:fld id="{51B869B6-A1BB-4C9E-8561-EA9AF8554193}" type="datetimeFigureOut">
               <a:rPr kumimoji="1" lang="ja-JP" altLang="en-US" smtClean="0"/>
               <a:pPr/>
-              <a:t>2020/11/12</a:t>
+              <a:t>2020/11/22</a:t>
             </a:fld>
             <a:endParaRPr kumimoji="1" lang="ja-JP" altLang="en-US"/>
           </a:p>
@@ -2596,7 +2598,7 @@
             <a:fld id="{51B869B6-A1BB-4C9E-8561-EA9AF8554193}" type="datetimeFigureOut">
               <a:rPr kumimoji="1" lang="ja-JP" altLang="en-US" smtClean="0"/>
               <a:pPr/>
-              <a:t>2020/11/12</a:t>
+              <a:t>2020/11/22</a:t>
             </a:fld>
             <a:endParaRPr kumimoji="1" lang="ja-JP" altLang="en-US"/>
           </a:p>
@@ -2902,7 +2904,7 @@
             <a:fld id="{51B869B6-A1BB-4C9E-8561-EA9AF8554193}" type="datetimeFigureOut">
               <a:rPr kumimoji="1" lang="ja-JP" altLang="en-US" smtClean="0"/>
               <a:pPr/>
-              <a:t>2020/11/12</a:t>
+              <a:t>2020/11/22</a:t>
             </a:fld>
             <a:endParaRPr kumimoji="1" lang="ja-JP" altLang="en-US"/>
           </a:p>
@@ -3152,7 +3154,7 @@
             <a:fld id="{51B869B6-A1BB-4C9E-8561-EA9AF8554193}" type="datetimeFigureOut">
               <a:rPr kumimoji="1" lang="ja-JP" altLang="en-US" smtClean="0"/>
               <a:pPr/>
-              <a:t>2020/11/12</a:t>
+              <a:t>2020/11/22</a:t>
             </a:fld>
             <a:endParaRPr kumimoji="1" lang="ja-JP" altLang="en-US"/>
           </a:p>
@@ -3394,7 +3396,7 @@
             <a:fld id="{51B869B6-A1BB-4C9E-8561-EA9AF8554193}" type="datetimeFigureOut">
               <a:rPr kumimoji="1" lang="ja-JP" altLang="en-US" smtClean="0"/>
               <a:pPr/>
-              <a:t>2020/11/12</a:t>
+              <a:t>2020/11/22</a:t>
             </a:fld>
             <a:endParaRPr kumimoji="1" lang="ja-JP" altLang="en-US"/>
           </a:p>
@@ -3790,11 +3792,7 @@
             <a:pPr algn="l"/>
             <a:r>
               <a:rPr kumimoji="1" lang="ja-JP" altLang="en-US" sz="8000" b="1" dirty="0" smtClean="0"/>
-              <a:t>修正</a:t>
-            </a:r>
-            <a:r>
-              <a:rPr kumimoji="1" lang="ja-JP" altLang="en-US" sz="8000" b="1" dirty="0" smtClean="0"/>
-              <a:t>要望</a:t>
+              <a:t>修正要望</a:t>
             </a:r>
             <a:r>
               <a:rPr kumimoji="1" lang="ja-JP" altLang="en-US" sz="3200" b="1" dirty="0" smtClean="0"/>
@@ -3928,14 +3926,10 @@
           <a:lstStyle/>
           <a:p>
             <a:r>
-              <a:rPr lang="ja-JP" altLang="en-US" sz="2000" dirty="0" smtClean="0"/>
-              <a:t>ハンシャのマシンガン当てた時ハンシャの向き通りに弾を</a:t>
-            </a:r>
-            <a:r>
-              <a:rPr lang="ja-JP" altLang="en-US" sz="2000" dirty="0" smtClean="0"/>
-              <a:t>飛ばす</a:t>
-            </a:r>
-            <a:endParaRPr lang="en-US" altLang="ja-JP" sz="2000" dirty="0" smtClean="0"/>
+              <a:rPr lang="ja-JP" altLang="en-US" sz="2000" strike="sngStrike" dirty="0" smtClean="0"/>
+              <a:t>ハンシャのマシンガン当てた時ハンシャの向き通りに弾を飛ばす</a:t>
+            </a:r>
+            <a:endParaRPr lang="en-US" altLang="ja-JP" sz="2000" strike="sngStrike" dirty="0" smtClean="0"/>
           </a:p>
           <a:p>
             <a:endParaRPr lang="en-US" altLang="ja-JP" sz="2000" dirty="0" smtClean="0"/>
@@ -3950,15 +3944,53 @@
           </a:p>
           <a:p>
             <a:r>
+              <a:rPr lang="ja-JP" altLang="en-US" sz="2000" strike="sngStrike" dirty="0" smtClean="0"/>
+              <a:t>ショットボタン押しただけでも弾が出るようにする</a:t>
+            </a:r>
+            <a:endParaRPr lang="en-US" altLang="ja-JP" sz="2000" strike="sngStrike" dirty="0" smtClean="0"/>
+          </a:p>
+          <a:p>
+            <a:r>
               <a:rPr lang="ja-JP" altLang="en-US" sz="2000" dirty="0" smtClean="0"/>
-              <a:t>ショットボタン押しただけでも弾が出るようにする</a:t>
+              <a:t>キャノンの照準が方向入力していても一瞬</a:t>
+            </a:r>
+            <a:r>
+              <a:rPr lang="ja-JP" altLang="en-US" sz="2000" dirty="0" smtClean="0"/>
+              <a:t>止まる</a:t>
             </a:r>
             <a:endParaRPr lang="en-US" altLang="ja-JP" sz="2000" dirty="0" smtClean="0"/>
           </a:p>
           <a:p>
             <a:r>
               <a:rPr lang="ja-JP" altLang="en-US" sz="2000" dirty="0" smtClean="0"/>
-              <a:t>キャノンの照準が方向入力していても一瞬止まる</a:t>
+              <a:t>キャノンヒットのエフェクト発生した瞬間に判定発生していない（</a:t>
+            </a:r>
+            <a:r>
+              <a:rPr lang="en-US" altLang="ja-JP" sz="2000" dirty="0" smtClean="0"/>
+              <a:t>11/22</a:t>
+            </a:r>
+            <a:r>
+              <a:rPr lang="ja-JP" altLang="en-US" sz="2000" dirty="0" smtClean="0"/>
+              <a:t>）</a:t>
+            </a:r>
+            <a:endParaRPr lang="en-US" altLang="ja-JP" sz="2000" dirty="0" smtClean="0"/>
+          </a:p>
+          <a:p>
+            <a:r>
+              <a:rPr lang="ja-JP" altLang="en-US" sz="2000" dirty="0" smtClean="0"/>
+              <a:t>キャノンが照準少し先に着弾エフェクトが出ている</a:t>
+            </a:r>
+            <a:r>
+              <a:rPr lang="ja-JP" altLang="en-US" sz="2000" dirty="0" smtClean="0"/>
+              <a:t>（</a:t>
+            </a:r>
+            <a:r>
+              <a:rPr lang="en-US" altLang="ja-JP" sz="2000" dirty="0" smtClean="0"/>
+              <a:t>11/22</a:t>
+            </a:r>
+            <a:r>
+              <a:rPr lang="ja-JP" altLang="en-US" sz="2000" smtClean="0"/>
+              <a:t>）</a:t>
             </a:r>
             <a:endParaRPr lang="en-US" altLang="ja-JP" sz="2000" dirty="0" smtClean="0"/>
           </a:p>
@@ -3994,7 +4026,7 @@
     </p:spTree>
     <p:extLst>
       <p:ext uri="{BB962C8B-B14F-4D97-AF65-F5344CB8AC3E}">
-        <p14:creationId xmlns="" xmlns:p14="http://schemas.microsoft.com/office/powerpoint/2010/main" val="3100865840"/>
+        <p14:creationId xmlns:p14="http://schemas.microsoft.com/office/powerpoint/2010/main" xmlns="" val="3100865840"/>
       </p:ext>
     </p:extLst>
   </p:cSld>
@@ -4289,19 +4321,7 @@
             </a:pPr>
             <a:r>
               <a:rPr lang="ja-JP" altLang="en-US" sz="1800" dirty="0" smtClean="0"/>
-              <a:t>どこに</a:t>
-            </a:r>
-            <a:r>
-              <a:rPr lang="ja-JP" altLang="en-US" sz="1800" dirty="0" smtClean="0"/>
-              <a:t>も方向入力していない状態でも</a:t>
-            </a:r>
-            <a:r>
-              <a:rPr lang="ja-JP" altLang="en-US" sz="1800" dirty="0" smtClean="0"/>
-              <a:t>ショット</a:t>
-            </a:r>
-            <a:r>
-              <a:rPr lang="ja-JP" altLang="en-US" sz="1800" dirty="0" smtClean="0"/>
-              <a:t>が出せるようにしてください。</a:t>
+              <a:t>どこにも方向入力していない状態でもショットが出せるようにしてください。</a:t>
             </a:r>
             <a:endParaRPr lang="en-US" altLang="ja-JP" sz="1800" dirty="0" smtClean="0"/>
           </a:p>
@@ -4435,25 +4455,315 @@
             </a:pPr>
             <a:r>
               <a:rPr lang="ja-JP" altLang="en-US" sz="1800" dirty="0" smtClean="0"/>
-              <a:t>照準が一瞬止まる事が</a:t>
-            </a:r>
+              <a:t>照準が一瞬止まる事がよく見かけます。</a:t>
+            </a:r>
+            <a:endParaRPr lang="en-US" altLang="ja-JP" sz="1800" dirty="0" smtClean="0"/>
+          </a:p>
+          <a:p>
+            <a:pPr lvl="1">
+              <a:buNone/>
+            </a:pPr>
             <a:r>
               <a:rPr lang="ja-JP" altLang="en-US" sz="1800" dirty="0" smtClean="0"/>
-              <a:t>よく見かけます。</a:t>
+              <a:t>どんな時も方向入力している限りは照準は動き続けさせてください。</a:t>
             </a:r>
             <a:endParaRPr lang="en-US" altLang="ja-JP" sz="1800" dirty="0" smtClean="0"/>
           </a:p>
+        </p:txBody>
+      </p:sp>
+      <p:sp>
+        <p:nvSpPr>
+          <p:cNvPr id="5" name="正方形/長方形 4"/>
+          <p:cNvSpPr/>
+          <p:nvPr/>
+        </p:nvSpPr>
+        <p:spPr>
+          <a:xfrm>
+            <a:off x="285720" y="4857760"/>
+            <a:ext cx="4857752" cy="369332"/>
+          </a:xfrm>
+          <a:prstGeom prst="rect">
+            <a:avLst/>
+          </a:prstGeom>
+        </p:spPr>
+        <p:txBody>
+          <a:bodyPr wrap="square">
+            <a:spAutoFit/>
+          </a:bodyPr>
+          <a:lstStyle/>
+          <a:p>
+            <a:r>
+              <a:rPr lang="ja-JP" altLang="en-US" dirty="0" err="1" smtClean="0"/>
+              <a:t>。</a:t>
+            </a:r>
+            <a:endParaRPr lang="ja-JP" altLang="en-US" dirty="0"/>
+          </a:p>
+        </p:txBody>
+      </p:sp>
+    </p:spTree>
+  </p:cSld>
+  <p:clrMapOvr>
+    <a:masterClrMapping/>
+  </p:clrMapOvr>
+  <p:timing>
+    <p:tnLst>
+      <p:par>
+        <p:cTn id="1" dur="indefinite" restart="never" nodeType="tmRoot"/>
+      </p:par>
+    </p:tnLst>
+  </p:timing>
+</p:sld>
+</file>
+
+<file path=ppt/slides/slide6.xml><?xml version="1.0" encoding="utf-8"?>
+<p:sld xmlns:a="http://schemas.openxmlformats.org/drawingml/2006/main" xmlns:r="http://schemas.openxmlformats.org/officeDocument/2006/relationships" xmlns:p="http://schemas.openxmlformats.org/presentationml/2006/main">
+  <p:cSld>
+    <p:spTree>
+      <p:nvGrpSpPr>
+        <p:cNvPr id="1" name=""/>
+        <p:cNvGrpSpPr/>
+        <p:nvPr/>
+      </p:nvGrpSpPr>
+      <p:grpSpPr>
+        <a:xfrm>
+          <a:off x="0" y="0"/>
+          <a:ext cx="0" cy="0"/>
+          <a:chOff x="0" y="0"/>
+          <a:chExt cx="0" cy="0"/>
+        </a:xfrm>
+      </p:grpSpPr>
+      <p:sp>
+        <p:nvSpPr>
+          <p:cNvPr id="2" name="タイトル 1"/>
+          <p:cNvSpPr>
+            <a:spLocks noGrp="1"/>
+          </p:cNvSpPr>
+          <p:nvPr>
+            <p:ph type="title"/>
+          </p:nvPr>
+        </p:nvSpPr>
+        <p:spPr>
+          <a:xfrm>
+            <a:off x="457200" y="71422"/>
+            <a:ext cx="8229600" cy="1143000"/>
+          </a:xfrm>
+        </p:spPr>
+        <p:txBody>
+          <a:bodyPr>
+            <a:normAutofit fontScale="90000"/>
+          </a:bodyPr>
+          <a:lstStyle/>
+          <a:p>
+            <a:r>
+              <a:rPr lang="ja-JP" altLang="en-US" dirty="0" smtClean="0"/>
+              <a:t>キャノンヒットのエフェクト発生した瞬間に判定発生していない</a:t>
+            </a:r>
+            <a:endParaRPr lang="en-US" altLang="ja-JP" dirty="0" smtClean="0"/>
+          </a:p>
+        </p:txBody>
+      </p:sp>
+      <p:sp>
+        <p:nvSpPr>
+          <p:cNvPr id="3" name="コンテンツ プレースホルダ 2"/>
+          <p:cNvSpPr>
+            <a:spLocks noGrp="1"/>
+          </p:cNvSpPr>
+          <p:nvPr>
+            <p:ph idx="1"/>
+          </p:nvPr>
+        </p:nvSpPr>
+        <p:spPr>
+          <a:xfrm>
+            <a:off x="457200" y="1357297"/>
+            <a:ext cx="8229600" cy="5214975"/>
+          </a:xfrm>
+        </p:spPr>
+        <p:txBody>
+          <a:bodyPr>
+            <a:normAutofit/>
+          </a:bodyPr>
+          <a:lstStyle/>
           <a:p>
             <a:pPr lvl="1">
               <a:buNone/>
             </a:pPr>
             <a:r>
               <a:rPr lang="ja-JP" altLang="en-US" sz="1800" dirty="0" smtClean="0"/>
-              <a:t>どんな時</a:t>
+              <a:t>・現在、着弾後</a:t>
             </a:r>
             <a:r>
               <a:rPr lang="ja-JP" altLang="en-US" sz="1800" dirty="0" smtClean="0"/>
-              <a:t>も方向入力している限りは照準は動き続けさせてください。</a:t>
+              <a:t>一定時間後に判定が発生しているように見えます。</a:t>
+            </a:r>
+            <a:endParaRPr lang="en-US" altLang="ja-JP" sz="1800" dirty="0" smtClean="0"/>
+          </a:p>
+          <a:p>
+            <a:pPr lvl="1">
+              <a:buNone/>
+            </a:pPr>
+            <a:endParaRPr lang="en-US" altLang="ja-JP" sz="1800" dirty="0" smtClean="0"/>
+          </a:p>
+          <a:p>
+            <a:pPr lvl="1">
+              <a:buNone/>
+            </a:pPr>
+            <a:r>
+              <a:rPr lang="ja-JP" altLang="en-US" sz="1800" dirty="0" smtClean="0"/>
+              <a:t>着弾エフェクト発生から消滅まで判定が出続けて欲しい</a:t>
+            </a:r>
+            <a:r>
+              <a:rPr lang="ja-JP" altLang="en-US" sz="1800" dirty="0" smtClean="0"/>
+              <a:t>です。</a:t>
+            </a:r>
+            <a:endParaRPr lang="en-US" altLang="ja-JP" sz="1800" dirty="0" smtClean="0"/>
+          </a:p>
+        </p:txBody>
+      </p:sp>
+      <p:sp>
+        <p:nvSpPr>
+          <p:cNvPr id="5" name="正方形/長方形 4"/>
+          <p:cNvSpPr/>
+          <p:nvPr/>
+        </p:nvSpPr>
+        <p:spPr>
+          <a:xfrm>
+            <a:off x="285720" y="4857760"/>
+            <a:ext cx="4857752" cy="369332"/>
+          </a:xfrm>
+          <a:prstGeom prst="rect">
+            <a:avLst/>
+          </a:prstGeom>
+        </p:spPr>
+        <p:txBody>
+          <a:bodyPr wrap="square">
+            <a:spAutoFit/>
+          </a:bodyPr>
+          <a:lstStyle/>
+          <a:p>
+            <a:r>
+              <a:rPr lang="ja-JP" altLang="en-US" dirty="0" err="1" smtClean="0"/>
+              <a:t>。</a:t>
+            </a:r>
+            <a:endParaRPr lang="ja-JP" altLang="en-US" dirty="0"/>
+          </a:p>
+        </p:txBody>
+      </p:sp>
+    </p:spTree>
+  </p:cSld>
+  <p:clrMapOvr>
+    <a:masterClrMapping/>
+  </p:clrMapOvr>
+  <p:timing>
+    <p:tnLst>
+      <p:par>
+        <p:cTn id="1" dur="indefinite" restart="never" nodeType="tmRoot"/>
+      </p:par>
+    </p:tnLst>
+  </p:timing>
+</p:sld>
+</file>
+
+<file path=ppt/slides/slide7.xml><?xml version="1.0" encoding="utf-8"?>
+<p:sld xmlns:a="http://schemas.openxmlformats.org/drawingml/2006/main" xmlns:r="http://schemas.openxmlformats.org/officeDocument/2006/relationships" xmlns:p="http://schemas.openxmlformats.org/presentationml/2006/main">
+  <p:cSld>
+    <p:spTree>
+      <p:nvGrpSpPr>
+        <p:cNvPr id="1" name=""/>
+        <p:cNvGrpSpPr/>
+        <p:nvPr/>
+      </p:nvGrpSpPr>
+      <p:grpSpPr>
+        <a:xfrm>
+          <a:off x="0" y="0"/>
+          <a:ext cx="0" cy="0"/>
+          <a:chOff x="0" y="0"/>
+          <a:chExt cx="0" cy="0"/>
+        </a:xfrm>
+      </p:grpSpPr>
+      <p:sp>
+        <p:nvSpPr>
+          <p:cNvPr id="2" name="タイトル 1"/>
+          <p:cNvSpPr>
+            <a:spLocks noGrp="1"/>
+          </p:cNvSpPr>
+          <p:nvPr>
+            <p:ph type="title"/>
+          </p:nvPr>
+        </p:nvSpPr>
+        <p:spPr>
+          <a:xfrm>
+            <a:off x="457200" y="71422"/>
+            <a:ext cx="8229600" cy="1143000"/>
+          </a:xfrm>
+        </p:spPr>
+        <p:txBody>
+          <a:bodyPr>
+            <a:normAutofit fontScale="90000"/>
+          </a:bodyPr>
+          <a:lstStyle/>
+          <a:p>
+            <a:r>
+              <a:rPr lang="ja-JP" altLang="en-US" dirty="0" smtClean="0"/>
+              <a:t>キャノンが照準少し先に着弾エフェクトが出ている</a:t>
+            </a:r>
+            <a:endParaRPr lang="en-US" altLang="ja-JP" dirty="0" smtClean="0"/>
+          </a:p>
+        </p:txBody>
+      </p:sp>
+      <p:sp>
+        <p:nvSpPr>
+          <p:cNvPr id="3" name="コンテンツ プレースホルダ 2"/>
+          <p:cNvSpPr>
+            <a:spLocks noGrp="1"/>
+          </p:cNvSpPr>
+          <p:nvPr>
+            <p:ph idx="1"/>
+          </p:nvPr>
+        </p:nvSpPr>
+        <p:spPr>
+          <a:xfrm>
+            <a:off x="457200" y="1357297"/>
+            <a:ext cx="8229600" cy="5214975"/>
+          </a:xfrm>
+        </p:spPr>
+        <p:txBody>
+          <a:bodyPr>
+            <a:normAutofit/>
+          </a:bodyPr>
+          <a:lstStyle/>
+          <a:p>
+            <a:pPr lvl="1">
+              <a:buNone/>
+            </a:pPr>
+            <a:r>
+              <a:rPr lang="ja-JP" altLang="en-US" sz="1800" dirty="0" smtClean="0"/>
+              <a:t>・照準の位置に着弾エフェクトが発生せず</a:t>
+            </a:r>
+            <a:endParaRPr lang="en-US" altLang="ja-JP" sz="1800" dirty="0" smtClean="0"/>
+          </a:p>
+          <a:p>
+            <a:pPr lvl="1">
+              <a:buNone/>
+            </a:pPr>
+            <a:r>
+              <a:rPr lang="ja-JP" altLang="en-US" sz="1800" dirty="0" smtClean="0"/>
+              <a:t>発射方向の照準１つ分程進んだ位置でエフェクト発生しています。</a:t>
+            </a:r>
+            <a:endParaRPr lang="en-US" altLang="ja-JP" sz="1800" dirty="0" smtClean="0"/>
+          </a:p>
+          <a:p>
+            <a:pPr lvl="1">
+              <a:buNone/>
+            </a:pPr>
+            <a:endParaRPr lang="en-US" altLang="ja-JP" sz="1800" dirty="0" smtClean="0"/>
+          </a:p>
+          <a:p>
+            <a:pPr lvl="1">
+              <a:buNone/>
+            </a:pPr>
+            <a:r>
+              <a:rPr lang="ja-JP" altLang="en-US" sz="1800" dirty="0" smtClean="0"/>
+              <a:t>照準の位置通りに着弾エフェクトが発生してほしいです。</a:t>
             </a:r>
             <a:endParaRPr lang="en-US" altLang="ja-JP" sz="1800" dirty="0" smtClean="0"/>
           </a:p>
